--- a/presentation_wb.pptx
+++ b/presentation_wb.pptx
@@ -210,7 +210,7 @@
           <a:p>
             <a:fld id="{6EFE7980-753D-4561-B6FA-AF5425BD0CC4}" type="datetimeFigureOut">
               <a:rPr lang="ru-RU" smtClean="0"/>
-              <a:t>29.05.2022</a:t>
+              <a:t>30.05.2022</a:t>
             </a:fld>
             <a:endParaRPr lang="ru-RU"/>
           </a:p>
@@ -624,7 +624,7 @@
           <a:p>
             <a:fld id="{2D595633-FEC6-41B9-B0A1-528C27FD4BC7}" type="datetime1">
               <a:rPr lang="ru-RU" smtClean="0"/>
-              <a:t>29.05.2022</a:t>
+              <a:t>30.05.2022</a:t>
             </a:fld>
             <a:endParaRPr lang="ru-RU"/>
           </a:p>
@@ -822,7 +822,7 @@
           <a:p>
             <a:fld id="{E0B68846-5A7D-494E-A21B-8CE02887DCC5}" type="datetime1">
               <a:rPr lang="ru-RU" smtClean="0"/>
-              <a:t>29.05.2022</a:t>
+              <a:t>30.05.2022</a:t>
             </a:fld>
             <a:endParaRPr lang="ru-RU"/>
           </a:p>
@@ -1030,7 +1030,7 @@
           <a:p>
             <a:fld id="{4781F2F9-03C2-4B05-8C49-879FAD1DC66F}" type="datetime1">
               <a:rPr lang="ru-RU" smtClean="0"/>
-              <a:t>29.05.2022</a:t>
+              <a:t>30.05.2022</a:t>
             </a:fld>
             <a:endParaRPr lang="ru-RU"/>
           </a:p>
@@ -1228,7 +1228,7 @@
           <a:p>
             <a:fld id="{C55CF103-CC98-4CD4-ADC0-0EB50A8E720A}" type="datetime1">
               <a:rPr lang="ru-RU" smtClean="0"/>
-              <a:t>29.05.2022</a:t>
+              <a:t>30.05.2022</a:t>
             </a:fld>
             <a:endParaRPr lang="ru-RU"/>
           </a:p>
@@ -1503,7 +1503,7 @@
           <a:p>
             <a:fld id="{4828CFB2-5362-4BA6-BEE3-BB2642E5F06E}" type="datetime1">
               <a:rPr lang="ru-RU" smtClean="0"/>
-              <a:t>29.05.2022</a:t>
+              <a:t>30.05.2022</a:t>
             </a:fld>
             <a:endParaRPr lang="ru-RU"/>
           </a:p>
@@ -1768,7 +1768,7 @@
           <a:p>
             <a:fld id="{93793127-953A-4FF8-AD25-9A7EAEB5CF5E}" type="datetime1">
               <a:rPr lang="ru-RU" smtClean="0"/>
-              <a:t>29.05.2022</a:t>
+              <a:t>30.05.2022</a:t>
             </a:fld>
             <a:endParaRPr lang="ru-RU"/>
           </a:p>
@@ -2180,7 +2180,7 @@
           <a:p>
             <a:fld id="{7CA2C41C-A390-4D97-B644-81D6A86436D0}" type="datetime1">
               <a:rPr lang="ru-RU" smtClean="0"/>
-              <a:t>29.05.2022</a:t>
+              <a:t>30.05.2022</a:t>
             </a:fld>
             <a:endParaRPr lang="ru-RU"/>
           </a:p>
@@ -2321,7 +2321,7 @@
           <a:p>
             <a:fld id="{01C7CE23-07DC-4D29-AE4F-CF9126D438E0}" type="datetime1">
               <a:rPr lang="ru-RU" smtClean="0"/>
-              <a:t>29.05.2022</a:t>
+              <a:t>30.05.2022</a:t>
             </a:fld>
             <a:endParaRPr lang="ru-RU"/>
           </a:p>
@@ -2434,7 +2434,7 @@
           <a:p>
             <a:fld id="{6416D010-49B1-4964-92ED-287255F37D04}" type="datetime1">
               <a:rPr lang="ru-RU" smtClean="0"/>
-              <a:t>29.05.2022</a:t>
+              <a:t>30.05.2022</a:t>
             </a:fld>
             <a:endParaRPr lang="ru-RU"/>
           </a:p>
@@ -2745,7 +2745,7 @@
           <a:p>
             <a:fld id="{9EB75F55-3DD5-4CE3-9B54-727202BA15E9}" type="datetime1">
               <a:rPr lang="ru-RU" smtClean="0"/>
-              <a:t>29.05.2022</a:t>
+              <a:t>30.05.2022</a:t>
             </a:fld>
             <a:endParaRPr lang="ru-RU"/>
           </a:p>
@@ -3033,7 +3033,7 @@
           <a:p>
             <a:fld id="{C04789F8-F8FE-4256-8AFF-2567DB3965F4}" type="datetime1">
               <a:rPr lang="ru-RU" smtClean="0"/>
-              <a:t>29.05.2022</a:t>
+              <a:t>30.05.2022</a:t>
             </a:fld>
             <a:endParaRPr lang="ru-RU"/>
           </a:p>
@@ -3274,7 +3274,7 @@
           <a:p>
             <a:fld id="{EA3FB417-0F2C-41D5-8173-80D866AD86E5}" type="datetime1">
               <a:rPr lang="ru-RU" smtClean="0"/>
-              <a:t>29.05.2022</a:t>
+              <a:t>30.05.2022</a:t>
             </a:fld>
             <a:endParaRPr lang="ru-RU"/>
           </a:p>
@@ -3949,12 +3949,13 @@
               </a:ext>
             </a:extLst>
           </a:blip>
+          <a:srcRect l="727" t="11274" r="1028" b="28719"/>
           <a:stretch/>
         </p:blipFill>
         <p:spPr>
           <a:xfrm>
-            <a:off x="3282259" y="1825625"/>
-            <a:ext cx="5627481" cy="4351338"/>
+            <a:off x="1209040" y="3225884"/>
+            <a:ext cx="7401560" cy="3495591"/>
           </a:xfrm>
         </p:spPr>
       </p:pic>
@@ -6330,12 +6331,13 @@
               </a:ext>
             </a:extLst>
           </a:blip>
+          <a:srcRect l="351" t="10813" r="892" b="21474"/>
           <a:stretch/>
         </p:blipFill>
         <p:spPr>
           <a:xfrm>
-            <a:off x="3282259" y="1825625"/>
-            <a:ext cx="5627481" cy="4351338"/>
+            <a:off x="1429000" y="1544320"/>
+            <a:ext cx="9333999" cy="4948555"/>
           </a:xfrm>
         </p:spPr>
       </p:pic>

--- a/presentation_wb.pptx
+++ b/presentation_wb.pptx
@@ -18,18 +18,18 @@
     <p:sldId id="266" r:id="rId9"/>
     <p:sldId id="267" r:id="rId10"/>
     <p:sldId id="268" r:id="rId11"/>
-    <p:sldId id="275" r:id="rId12"/>
-    <p:sldId id="273" r:id="rId13"/>
-    <p:sldId id="274" r:id="rId14"/>
+    <p:sldId id="276" r:id="rId12"/>
+    <p:sldId id="275" r:id="rId13"/>
+    <p:sldId id="273" r:id="rId14"/>
     <p:sldId id="269" r:id="rId15"/>
   </p:sldIdLst>
   <p:sldSz cx="12192000" cy="6858000"/>
   <p:notesSz cx="6858000" cy="9144000"/>
   <p:defaultTextStyle>
     <a:defPPr>
-      <a:defRPr lang="ru-RU"/>
+      <a:defRPr lang="en-US"/>
     </a:defPPr>
-    <a:lvl1pPr marL="0" algn="l" defTabSz="914400" rtl="0" eaLnBrk="1" latinLnBrk="0" hangingPunct="1">
+    <a:lvl1pPr marL="0" algn="l" defTabSz="457200" rtl="0" eaLnBrk="1" latinLnBrk="0" hangingPunct="1">
       <a:defRPr sz="1800" kern="1200">
         <a:solidFill>
           <a:schemeClr val="tx1"/>
@@ -39,7 +39,7 @@
         <a:cs typeface="+mn-cs"/>
       </a:defRPr>
     </a:lvl1pPr>
-    <a:lvl2pPr marL="457200" algn="l" defTabSz="914400" rtl="0" eaLnBrk="1" latinLnBrk="0" hangingPunct="1">
+    <a:lvl2pPr marL="457200" algn="l" defTabSz="457200" rtl="0" eaLnBrk="1" latinLnBrk="0" hangingPunct="1">
       <a:defRPr sz="1800" kern="1200">
         <a:solidFill>
           <a:schemeClr val="tx1"/>
@@ -49,7 +49,7 @@
         <a:cs typeface="+mn-cs"/>
       </a:defRPr>
     </a:lvl2pPr>
-    <a:lvl3pPr marL="914400" algn="l" defTabSz="914400" rtl="0" eaLnBrk="1" latinLnBrk="0" hangingPunct="1">
+    <a:lvl3pPr marL="914400" algn="l" defTabSz="457200" rtl="0" eaLnBrk="1" latinLnBrk="0" hangingPunct="1">
       <a:defRPr sz="1800" kern="1200">
         <a:solidFill>
           <a:schemeClr val="tx1"/>
@@ -59,7 +59,7 @@
         <a:cs typeface="+mn-cs"/>
       </a:defRPr>
     </a:lvl3pPr>
-    <a:lvl4pPr marL="1371600" algn="l" defTabSz="914400" rtl="0" eaLnBrk="1" latinLnBrk="0" hangingPunct="1">
+    <a:lvl4pPr marL="1371600" algn="l" defTabSz="457200" rtl="0" eaLnBrk="1" latinLnBrk="0" hangingPunct="1">
       <a:defRPr sz="1800" kern="1200">
         <a:solidFill>
           <a:schemeClr val="tx1"/>
@@ -69,7 +69,7 @@
         <a:cs typeface="+mn-cs"/>
       </a:defRPr>
     </a:lvl4pPr>
-    <a:lvl5pPr marL="1828800" algn="l" defTabSz="914400" rtl="0" eaLnBrk="1" latinLnBrk="0" hangingPunct="1">
+    <a:lvl5pPr marL="1828800" algn="l" defTabSz="457200" rtl="0" eaLnBrk="1" latinLnBrk="0" hangingPunct="1">
       <a:defRPr sz="1800" kern="1200">
         <a:solidFill>
           <a:schemeClr val="tx1"/>
@@ -79,7 +79,7 @@
         <a:cs typeface="+mn-cs"/>
       </a:defRPr>
     </a:lvl5pPr>
-    <a:lvl6pPr marL="2286000" algn="l" defTabSz="914400" rtl="0" eaLnBrk="1" latinLnBrk="0" hangingPunct="1">
+    <a:lvl6pPr marL="2286000" algn="l" defTabSz="457200" rtl="0" eaLnBrk="1" latinLnBrk="0" hangingPunct="1">
       <a:defRPr sz="1800" kern="1200">
         <a:solidFill>
           <a:schemeClr val="tx1"/>
@@ -89,7 +89,7 @@
         <a:cs typeface="+mn-cs"/>
       </a:defRPr>
     </a:lvl6pPr>
-    <a:lvl7pPr marL="2743200" algn="l" defTabSz="914400" rtl="0" eaLnBrk="1" latinLnBrk="0" hangingPunct="1">
+    <a:lvl7pPr marL="2743200" algn="l" defTabSz="457200" rtl="0" eaLnBrk="1" latinLnBrk="0" hangingPunct="1">
       <a:defRPr sz="1800" kern="1200">
         <a:solidFill>
           <a:schemeClr val="tx1"/>
@@ -99,7 +99,7 @@
         <a:cs typeface="+mn-cs"/>
       </a:defRPr>
     </a:lvl7pPr>
-    <a:lvl8pPr marL="3200400" algn="l" defTabSz="914400" rtl="0" eaLnBrk="1" latinLnBrk="0" hangingPunct="1">
+    <a:lvl8pPr marL="3200400" algn="l" defTabSz="457200" rtl="0" eaLnBrk="1" latinLnBrk="0" hangingPunct="1">
       <a:defRPr sz="1800" kern="1200">
         <a:solidFill>
           <a:schemeClr val="tx1"/>
@@ -109,7 +109,7 @@
         <a:cs typeface="+mn-cs"/>
       </a:defRPr>
     </a:lvl8pPr>
-    <a:lvl9pPr marL="3657600" algn="l" defTabSz="914400" rtl="0" eaLnBrk="1" latinLnBrk="0" hangingPunct="1">
+    <a:lvl9pPr marL="3657600" algn="l" defTabSz="457200" rtl="0" eaLnBrk="1" latinLnBrk="0" hangingPunct="1">
       <a:defRPr sz="1800" kern="1200">
         <a:solidFill>
           <a:schemeClr val="tx1"/>
@@ -210,7 +210,7 @@
           <a:p>
             <a:fld id="{6EFE7980-753D-4561-B6FA-AF5425BD0CC4}" type="datetimeFigureOut">
               <a:rPr lang="ru-RU" smtClean="0"/>
-              <a:t>30.05.2022</a:t>
+              <a:t>31.05.2022</a:t>
             </a:fld>
             <a:endParaRPr lang="ru-RU"/>
           </a:p>
@@ -496,13 +496,7 @@
       </p:grpSpPr>
       <p:sp>
         <p:nvSpPr>
-          <p:cNvPr id="2" name="Заголовок 1">
-            <a:extLst>
-              <a:ext uri="{FF2B5EF4-FFF2-40B4-BE49-F238E27FC236}">
-                <a16:creationId xmlns:a16="http://schemas.microsoft.com/office/drawing/2014/main" id="{0B98A447-AA69-83F9-ACC8-56A6F608F254}"/>
-              </a:ext>
-            </a:extLst>
-          </p:cNvPr>
+          <p:cNvPr id="2" name="Title 1"/>
           <p:cNvSpPr>
             <a:spLocks noGrp="1"/>
           </p:cNvSpPr>
@@ -528,18 +522,13 @@
               <a:rPr lang="ru-RU"/>
               <a:t>Образец заголовка</a:t>
             </a:r>
-          </a:p>
-        </p:txBody>
-      </p:sp>
-      <p:sp>
-        <p:nvSpPr>
-          <p:cNvPr id="3" name="Подзаголовок 2">
-            <a:extLst>
-              <a:ext uri="{FF2B5EF4-FFF2-40B4-BE49-F238E27FC236}">
-                <a16:creationId xmlns:a16="http://schemas.microsoft.com/office/drawing/2014/main" id="{9605478A-5E4A-A0CA-6AC8-92B6EC596DB0}"/>
-              </a:ext>
-            </a:extLst>
-          </p:cNvPr>
+            <a:endParaRPr lang="en-US" dirty="0"/>
+          </a:p>
+        </p:txBody>
+      </p:sp>
+      <p:sp>
+        <p:nvSpPr>
+          <p:cNvPr id="3" name="Subtitle 2"/>
           <p:cNvSpPr>
             <a:spLocks noGrp="1"/>
           </p:cNvSpPr>
@@ -598,18 +587,13 @@
               <a:rPr lang="ru-RU"/>
               <a:t>Образец подзаголовка</a:t>
             </a:r>
-          </a:p>
-        </p:txBody>
-      </p:sp>
-      <p:sp>
-        <p:nvSpPr>
-          <p:cNvPr id="4" name="Дата 3">
-            <a:extLst>
-              <a:ext uri="{FF2B5EF4-FFF2-40B4-BE49-F238E27FC236}">
-                <a16:creationId xmlns:a16="http://schemas.microsoft.com/office/drawing/2014/main" id="{F361CA1A-31BE-00D0-3D11-7D86A713F325}"/>
-              </a:ext>
-            </a:extLst>
-          </p:cNvPr>
+            <a:endParaRPr lang="en-US" dirty="0"/>
+          </a:p>
+        </p:txBody>
+      </p:sp>
+      <p:sp>
+        <p:nvSpPr>
+          <p:cNvPr id="4" name="Date Placeholder 3"/>
           <p:cNvSpPr>
             <a:spLocks noGrp="1"/>
           </p:cNvSpPr>
@@ -624,7 +608,7 @@
           <a:p>
             <a:fld id="{2D595633-FEC6-41B9-B0A1-528C27FD4BC7}" type="datetime1">
               <a:rPr lang="ru-RU" smtClean="0"/>
-              <a:t>30.05.2022</a:t>
+              <a:t>31.05.2022</a:t>
             </a:fld>
             <a:endParaRPr lang="ru-RU"/>
           </a:p>
@@ -632,13 +616,7 @@
       </p:sp>
       <p:sp>
         <p:nvSpPr>
-          <p:cNvPr id="5" name="Нижний колонтитул 4">
-            <a:extLst>
-              <a:ext uri="{FF2B5EF4-FFF2-40B4-BE49-F238E27FC236}">
-                <a16:creationId xmlns:a16="http://schemas.microsoft.com/office/drawing/2014/main" id="{D8FBBACE-7544-FEA3-D9BD-8227023E8473}"/>
-              </a:ext>
-            </a:extLst>
-          </p:cNvPr>
+          <p:cNvPr id="5" name="Footer Placeholder 4"/>
           <p:cNvSpPr>
             <a:spLocks noGrp="1"/>
           </p:cNvSpPr>
@@ -657,13 +635,7 @@
       </p:sp>
       <p:sp>
         <p:nvSpPr>
-          <p:cNvPr id="6" name="Номер слайда 5">
-            <a:extLst>
-              <a:ext uri="{FF2B5EF4-FFF2-40B4-BE49-F238E27FC236}">
-                <a16:creationId xmlns:a16="http://schemas.microsoft.com/office/drawing/2014/main" id="{54F1FFA3-06C3-FCD2-BF27-B88D41F7A54F}"/>
-              </a:ext>
-            </a:extLst>
-          </p:cNvPr>
+          <p:cNvPr id="6" name="Slide Number Placeholder 5"/>
           <p:cNvSpPr>
             <a:spLocks noGrp="1"/>
           </p:cNvSpPr>
@@ -687,7 +659,7 @@
     </p:spTree>
     <p:extLst>
       <p:ext uri="{BB962C8B-B14F-4D97-AF65-F5344CB8AC3E}">
-        <p14:creationId xmlns:p14="http://schemas.microsoft.com/office/powerpoint/2010/main" val="1159049823"/>
+        <p14:creationId xmlns:p14="http://schemas.microsoft.com/office/powerpoint/2010/main" val="481120610"/>
       </p:ext>
     </p:extLst>
   </p:cSld>
@@ -716,13 +688,7 @@
       </p:grpSpPr>
       <p:sp>
         <p:nvSpPr>
-          <p:cNvPr id="2" name="Заголовок 1">
-            <a:extLst>
-              <a:ext uri="{FF2B5EF4-FFF2-40B4-BE49-F238E27FC236}">
-                <a16:creationId xmlns:a16="http://schemas.microsoft.com/office/drawing/2014/main" id="{076D6F5E-78D6-BC09-761E-B9FEAA839FF7}"/>
-              </a:ext>
-            </a:extLst>
-          </p:cNvPr>
+          <p:cNvPr id="2" name="Title 1"/>
           <p:cNvSpPr>
             <a:spLocks noGrp="1"/>
           </p:cNvSpPr>
@@ -739,18 +705,13 @@
               <a:rPr lang="ru-RU"/>
               <a:t>Образец заголовка</a:t>
             </a:r>
-          </a:p>
-        </p:txBody>
-      </p:sp>
-      <p:sp>
-        <p:nvSpPr>
-          <p:cNvPr id="3" name="Вертикальный текст 2">
-            <a:extLst>
-              <a:ext uri="{FF2B5EF4-FFF2-40B4-BE49-F238E27FC236}">
-                <a16:creationId xmlns:a16="http://schemas.microsoft.com/office/drawing/2014/main" id="{C4C675C5-4E57-29CA-89C8-6F7A83BF350C}"/>
-              </a:ext>
-            </a:extLst>
-          </p:cNvPr>
+            <a:endParaRPr lang="en-US" dirty="0"/>
+          </a:p>
+        </p:txBody>
+      </p:sp>
+      <p:sp>
+        <p:nvSpPr>
+          <p:cNvPr id="3" name="Vertical Text Placeholder 2"/>
           <p:cNvSpPr>
             <a:spLocks noGrp="1"/>
           </p:cNvSpPr>
@@ -796,18 +757,13 @@
               <a:rPr lang="ru-RU"/>
               <a:t>Пятый уровень</a:t>
             </a:r>
-          </a:p>
-        </p:txBody>
-      </p:sp>
-      <p:sp>
-        <p:nvSpPr>
-          <p:cNvPr id="4" name="Дата 3">
-            <a:extLst>
-              <a:ext uri="{FF2B5EF4-FFF2-40B4-BE49-F238E27FC236}">
-                <a16:creationId xmlns:a16="http://schemas.microsoft.com/office/drawing/2014/main" id="{8BEE8CA3-08AF-A790-8AAF-94A38ED3ACFA}"/>
-              </a:ext>
-            </a:extLst>
-          </p:cNvPr>
+            <a:endParaRPr lang="en-US" dirty="0"/>
+          </a:p>
+        </p:txBody>
+      </p:sp>
+      <p:sp>
+        <p:nvSpPr>
+          <p:cNvPr id="4" name="Date Placeholder 3"/>
           <p:cNvSpPr>
             <a:spLocks noGrp="1"/>
           </p:cNvSpPr>
@@ -822,7 +778,7 @@
           <a:p>
             <a:fld id="{E0B68846-5A7D-494E-A21B-8CE02887DCC5}" type="datetime1">
               <a:rPr lang="ru-RU" smtClean="0"/>
-              <a:t>30.05.2022</a:t>
+              <a:t>31.05.2022</a:t>
             </a:fld>
             <a:endParaRPr lang="ru-RU"/>
           </a:p>
@@ -830,13 +786,7 @@
       </p:sp>
       <p:sp>
         <p:nvSpPr>
-          <p:cNvPr id="5" name="Нижний колонтитул 4">
-            <a:extLst>
-              <a:ext uri="{FF2B5EF4-FFF2-40B4-BE49-F238E27FC236}">
-                <a16:creationId xmlns:a16="http://schemas.microsoft.com/office/drawing/2014/main" id="{A16F9BC3-0265-863B-DB45-13924EA824C9}"/>
-              </a:ext>
-            </a:extLst>
-          </p:cNvPr>
+          <p:cNvPr id="5" name="Footer Placeholder 4"/>
           <p:cNvSpPr>
             <a:spLocks noGrp="1"/>
           </p:cNvSpPr>
@@ -855,13 +805,7 @@
       </p:sp>
       <p:sp>
         <p:nvSpPr>
-          <p:cNvPr id="6" name="Номер слайда 5">
-            <a:extLst>
-              <a:ext uri="{FF2B5EF4-FFF2-40B4-BE49-F238E27FC236}">
-                <a16:creationId xmlns:a16="http://schemas.microsoft.com/office/drawing/2014/main" id="{B5EF071B-F0E1-2747-094D-7B9872300EC3}"/>
-              </a:ext>
-            </a:extLst>
-          </p:cNvPr>
+          <p:cNvPr id="6" name="Slide Number Placeholder 5"/>
           <p:cNvSpPr>
             <a:spLocks noGrp="1"/>
           </p:cNvSpPr>
@@ -885,7 +829,7 @@
     </p:spTree>
     <p:extLst>
       <p:ext uri="{BB962C8B-B14F-4D97-AF65-F5344CB8AC3E}">
-        <p14:creationId xmlns:p14="http://schemas.microsoft.com/office/powerpoint/2010/main" val="2471736079"/>
+        <p14:creationId xmlns:p14="http://schemas.microsoft.com/office/powerpoint/2010/main" val="3677387730"/>
       </p:ext>
     </p:extLst>
   </p:cSld>
@@ -914,13 +858,7 @@
       </p:grpSpPr>
       <p:sp>
         <p:nvSpPr>
-          <p:cNvPr id="2" name="Вертикальный заголовок 1">
-            <a:extLst>
-              <a:ext uri="{FF2B5EF4-FFF2-40B4-BE49-F238E27FC236}">
-                <a16:creationId xmlns:a16="http://schemas.microsoft.com/office/drawing/2014/main" id="{927D9B65-055D-1A7B-0743-E3AE1362994D}"/>
-              </a:ext>
-            </a:extLst>
-          </p:cNvPr>
+          <p:cNvPr id="2" name="Vertical Title 1"/>
           <p:cNvSpPr>
             <a:spLocks noGrp="1"/>
           </p:cNvSpPr>
@@ -942,18 +880,13 @@
               <a:rPr lang="ru-RU"/>
               <a:t>Образец заголовка</a:t>
             </a:r>
-          </a:p>
-        </p:txBody>
-      </p:sp>
-      <p:sp>
-        <p:nvSpPr>
-          <p:cNvPr id="3" name="Вертикальный текст 2">
-            <a:extLst>
-              <a:ext uri="{FF2B5EF4-FFF2-40B4-BE49-F238E27FC236}">
-                <a16:creationId xmlns:a16="http://schemas.microsoft.com/office/drawing/2014/main" id="{5DADE611-3DF8-9956-3E3C-49527BFAB1C9}"/>
-              </a:ext>
-            </a:extLst>
-          </p:cNvPr>
+            <a:endParaRPr lang="en-US" dirty="0"/>
+          </a:p>
+        </p:txBody>
+      </p:sp>
+      <p:sp>
+        <p:nvSpPr>
+          <p:cNvPr id="3" name="Vertical Text Placeholder 2"/>
           <p:cNvSpPr>
             <a:spLocks noGrp="1"/>
           </p:cNvSpPr>
@@ -1004,18 +937,13 @@
               <a:rPr lang="ru-RU"/>
               <a:t>Пятый уровень</a:t>
             </a:r>
-          </a:p>
-        </p:txBody>
-      </p:sp>
-      <p:sp>
-        <p:nvSpPr>
-          <p:cNvPr id="4" name="Дата 3">
-            <a:extLst>
-              <a:ext uri="{FF2B5EF4-FFF2-40B4-BE49-F238E27FC236}">
-                <a16:creationId xmlns:a16="http://schemas.microsoft.com/office/drawing/2014/main" id="{87FF5E0F-196C-46ED-8095-327A608F32A4}"/>
-              </a:ext>
-            </a:extLst>
-          </p:cNvPr>
+            <a:endParaRPr lang="en-US" dirty="0"/>
+          </a:p>
+        </p:txBody>
+      </p:sp>
+      <p:sp>
+        <p:nvSpPr>
+          <p:cNvPr id="4" name="Date Placeholder 3"/>
           <p:cNvSpPr>
             <a:spLocks noGrp="1"/>
           </p:cNvSpPr>
@@ -1030,7 +958,7 @@
           <a:p>
             <a:fld id="{4781F2F9-03C2-4B05-8C49-879FAD1DC66F}" type="datetime1">
               <a:rPr lang="ru-RU" smtClean="0"/>
-              <a:t>30.05.2022</a:t>
+              <a:t>31.05.2022</a:t>
             </a:fld>
             <a:endParaRPr lang="ru-RU"/>
           </a:p>
@@ -1038,13 +966,7 @@
       </p:sp>
       <p:sp>
         <p:nvSpPr>
-          <p:cNvPr id="5" name="Нижний колонтитул 4">
-            <a:extLst>
-              <a:ext uri="{FF2B5EF4-FFF2-40B4-BE49-F238E27FC236}">
-                <a16:creationId xmlns:a16="http://schemas.microsoft.com/office/drawing/2014/main" id="{AF79C84D-7721-9B60-62C7-B574104D6686}"/>
-              </a:ext>
-            </a:extLst>
-          </p:cNvPr>
+          <p:cNvPr id="5" name="Footer Placeholder 4"/>
           <p:cNvSpPr>
             <a:spLocks noGrp="1"/>
           </p:cNvSpPr>
@@ -1063,13 +985,7 @@
       </p:sp>
       <p:sp>
         <p:nvSpPr>
-          <p:cNvPr id="6" name="Номер слайда 5">
-            <a:extLst>
-              <a:ext uri="{FF2B5EF4-FFF2-40B4-BE49-F238E27FC236}">
-                <a16:creationId xmlns:a16="http://schemas.microsoft.com/office/drawing/2014/main" id="{8B2CC16A-0103-65E5-154F-D17EE43EBCD1}"/>
-              </a:ext>
-            </a:extLst>
-          </p:cNvPr>
+          <p:cNvPr id="6" name="Slide Number Placeholder 5"/>
           <p:cNvSpPr>
             <a:spLocks noGrp="1"/>
           </p:cNvSpPr>
@@ -1093,7 +1009,7 @@
     </p:spTree>
     <p:extLst>
       <p:ext uri="{BB962C8B-B14F-4D97-AF65-F5344CB8AC3E}">
-        <p14:creationId xmlns:p14="http://schemas.microsoft.com/office/powerpoint/2010/main" val="3073041578"/>
+        <p14:creationId xmlns:p14="http://schemas.microsoft.com/office/powerpoint/2010/main" val="2442449077"/>
       </p:ext>
     </p:extLst>
   </p:cSld>
@@ -1122,13 +1038,7 @@
       </p:grpSpPr>
       <p:sp>
         <p:nvSpPr>
-          <p:cNvPr id="2" name="Заголовок 1">
-            <a:extLst>
-              <a:ext uri="{FF2B5EF4-FFF2-40B4-BE49-F238E27FC236}">
-                <a16:creationId xmlns:a16="http://schemas.microsoft.com/office/drawing/2014/main" id="{3E31D2CF-09FB-C4B0-F4BF-09613394CC71}"/>
-              </a:ext>
-            </a:extLst>
-          </p:cNvPr>
+          <p:cNvPr id="2" name="Title 1"/>
           <p:cNvSpPr>
             <a:spLocks noGrp="1"/>
           </p:cNvSpPr>
@@ -1145,18 +1055,13 @@
               <a:rPr lang="ru-RU"/>
               <a:t>Образец заголовка</a:t>
             </a:r>
-          </a:p>
-        </p:txBody>
-      </p:sp>
-      <p:sp>
-        <p:nvSpPr>
-          <p:cNvPr id="3" name="Объект 2">
-            <a:extLst>
-              <a:ext uri="{FF2B5EF4-FFF2-40B4-BE49-F238E27FC236}">
-                <a16:creationId xmlns:a16="http://schemas.microsoft.com/office/drawing/2014/main" id="{94BE6CBE-4B70-F50B-CE1C-A5EAEB37C059}"/>
-              </a:ext>
-            </a:extLst>
-          </p:cNvPr>
+            <a:endParaRPr lang="en-US" dirty="0"/>
+          </a:p>
+        </p:txBody>
+      </p:sp>
+      <p:sp>
+        <p:nvSpPr>
+          <p:cNvPr id="3" name="Content Placeholder 2"/>
           <p:cNvSpPr>
             <a:spLocks noGrp="1"/>
           </p:cNvSpPr>
@@ -1202,18 +1107,13 @@
               <a:rPr lang="ru-RU"/>
               <a:t>Пятый уровень</a:t>
             </a:r>
-          </a:p>
-        </p:txBody>
-      </p:sp>
-      <p:sp>
-        <p:nvSpPr>
-          <p:cNvPr id="4" name="Дата 3">
-            <a:extLst>
-              <a:ext uri="{FF2B5EF4-FFF2-40B4-BE49-F238E27FC236}">
-                <a16:creationId xmlns:a16="http://schemas.microsoft.com/office/drawing/2014/main" id="{96577F1C-74EA-B57C-C4FD-65A720EC525E}"/>
-              </a:ext>
-            </a:extLst>
-          </p:cNvPr>
+            <a:endParaRPr lang="en-US" dirty="0"/>
+          </a:p>
+        </p:txBody>
+      </p:sp>
+      <p:sp>
+        <p:nvSpPr>
+          <p:cNvPr id="4" name="Date Placeholder 3"/>
           <p:cNvSpPr>
             <a:spLocks noGrp="1"/>
           </p:cNvSpPr>
@@ -1228,7 +1128,7 @@
           <a:p>
             <a:fld id="{C55CF103-CC98-4CD4-ADC0-0EB50A8E720A}" type="datetime1">
               <a:rPr lang="ru-RU" smtClean="0"/>
-              <a:t>30.05.2022</a:t>
+              <a:t>31.05.2022</a:t>
             </a:fld>
             <a:endParaRPr lang="ru-RU"/>
           </a:p>
@@ -1236,13 +1136,7 @@
       </p:sp>
       <p:sp>
         <p:nvSpPr>
-          <p:cNvPr id="5" name="Нижний колонтитул 4">
-            <a:extLst>
-              <a:ext uri="{FF2B5EF4-FFF2-40B4-BE49-F238E27FC236}">
-                <a16:creationId xmlns:a16="http://schemas.microsoft.com/office/drawing/2014/main" id="{EEE27113-A84B-33FD-6D49-E1879A2C54A6}"/>
-              </a:ext>
-            </a:extLst>
-          </p:cNvPr>
+          <p:cNvPr id="5" name="Footer Placeholder 4"/>
           <p:cNvSpPr>
             <a:spLocks noGrp="1"/>
           </p:cNvSpPr>
@@ -1261,13 +1155,7 @@
       </p:sp>
       <p:sp>
         <p:nvSpPr>
-          <p:cNvPr id="6" name="Номер слайда 5">
-            <a:extLst>
-              <a:ext uri="{FF2B5EF4-FFF2-40B4-BE49-F238E27FC236}">
-                <a16:creationId xmlns:a16="http://schemas.microsoft.com/office/drawing/2014/main" id="{5112AEB1-FCEB-DB17-338F-CD6F5DA45D9F}"/>
-              </a:ext>
-            </a:extLst>
-          </p:cNvPr>
+          <p:cNvPr id="6" name="Slide Number Placeholder 5"/>
           <p:cNvSpPr>
             <a:spLocks noGrp="1"/>
           </p:cNvSpPr>
@@ -1291,7 +1179,7 @@
     </p:spTree>
     <p:extLst>
       <p:ext uri="{BB962C8B-B14F-4D97-AF65-F5344CB8AC3E}">
-        <p14:creationId xmlns:p14="http://schemas.microsoft.com/office/powerpoint/2010/main" val="3724103395"/>
+        <p14:creationId xmlns:p14="http://schemas.microsoft.com/office/powerpoint/2010/main" val="1618559672"/>
       </p:ext>
     </p:extLst>
   </p:cSld>
@@ -1320,13 +1208,7 @@
       </p:grpSpPr>
       <p:sp>
         <p:nvSpPr>
-          <p:cNvPr id="2" name="Заголовок 1">
-            <a:extLst>
-              <a:ext uri="{FF2B5EF4-FFF2-40B4-BE49-F238E27FC236}">
-                <a16:creationId xmlns:a16="http://schemas.microsoft.com/office/drawing/2014/main" id="{9CC50E72-D3D8-E154-D020-F5E3EE668B56}"/>
-              </a:ext>
-            </a:extLst>
-          </p:cNvPr>
+          <p:cNvPr id="2" name="Title 1"/>
           <p:cNvSpPr>
             <a:spLocks noGrp="1"/>
           </p:cNvSpPr>
@@ -1352,18 +1234,13 @@
               <a:rPr lang="ru-RU"/>
               <a:t>Образец заголовка</a:t>
             </a:r>
-          </a:p>
-        </p:txBody>
-      </p:sp>
-      <p:sp>
-        <p:nvSpPr>
-          <p:cNvPr id="3" name="Текст 2">
-            <a:extLst>
-              <a:ext uri="{FF2B5EF4-FFF2-40B4-BE49-F238E27FC236}">
-                <a16:creationId xmlns:a16="http://schemas.microsoft.com/office/drawing/2014/main" id="{6EA545C2-C1FF-9583-5628-3B45D0867BCA}"/>
-              </a:ext>
-            </a:extLst>
-          </p:cNvPr>
+            <a:endParaRPr lang="en-US" dirty="0"/>
+          </a:p>
+        </p:txBody>
+      </p:sp>
+      <p:sp>
+        <p:nvSpPr>
+          <p:cNvPr id="3" name="Text Placeholder 2"/>
           <p:cNvSpPr>
             <a:spLocks noGrp="1"/>
           </p:cNvSpPr>
@@ -1482,13 +1359,7 @@
       </p:sp>
       <p:sp>
         <p:nvSpPr>
-          <p:cNvPr id="4" name="Дата 3">
-            <a:extLst>
-              <a:ext uri="{FF2B5EF4-FFF2-40B4-BE49-F238E27FC236}">
-                <a16:creationId xmlns:a16="http://schemas.microsoft.com/office/drawing/2014/main" id="{9208A398-C80F-956F-CCDD-E29460C3F639}"/>
-              </a:ext>
-            </a:extLst>
-          </p:cNvPr>
+          <p:cNvPr id="4" name="Date Placeholder 3"/>
           <p:cNvSpPr>
             <a:spLocks noGrp="1"/>
           </p:cNvSpPr>
@@ -1503,7 +1374,7 @@
           <a:p>
             <a:fld id="{4828CFB2-5362-4BA6-BEE3-BB2642E5F06E}" type="datetime1">
               <a:rPr lang="ru-RU" smtClean="0"/>
-              <a:t>30.05.2022</a:t>
+              <a:t>31.05.2022</a:t>
             </a:fld>
             <a:endParaRPr lang="ru-RU"/>
           </a:p>
@@ -1511,13 +1382,7 @@
       </p:sp>
       <p:sp>
         <p:nvSpPr>
-          <p:cNvPr id="5" name="Нижний колонтитул 4">
-            <a:extLst>
-              <a:ext uri="{FF2B5EF4-FFF2-40B4-BE49-F238E27FC236}">
-                <a16:creationId xmlns:a16="http://schemas.microsoft.com/office/drawing/2014/main" id="{AFF8CFE3-2FFE-09FC-350D-9A779D7AAEFD}"/>
-              </a:ext>
-            </a:extLst>
-          </p:cNvPr>
+          <p:cNvPr id="5" name="Footer Placeholder 4"/>
           <p:cNvSpPr>
             <a:spLocks noGrp="1"/>
           </p:cNvSpPr>
@@ -1536,13 +1401,7 @@
       </p:sp>
       <p:sp>
         <p:nvSpPr>
-          <p:cNvPr id="6" name="Номер слайда 5">
-            <a:extLst>
-              <a:ext uri="{FF2B5EF4-FFF2-40B4-BE49-F238E27FC236}">
-                <a16:creationId xmlns:a16="http://schemas.microsoft.com/office/drawing/2014/main" id="{DAB3AA63-BF1A-801E-3BC2-D4E5A7C47B9B}"/>
-              </a:ext>
-            </a:extLst>
-          </p:cNvPr>
+          <p:cNvPr id="6" name="Slide Number Placeholder 5"/>
           <p:cNvSpPr>
             <a:spLocks noGrp="1"/>
           </p:cNvSpPr>
@@ -1566,7 +1425,7 @@
     </p:spTree>
     <p:extLst>
       <p:ext uri="{BB962C8B-B14F-4D97-AF65-F5344CB8AC3E}">
-        <p14:creationId xmlns:p14="http://schemas.microsoft.com/office/powerpoint/2010/main" val="2449029147"/>
+        <p14:creationId xmlns:p14="http://schemas.microsoft.com/office/powerpoint/2010/main" val="1801254517"/>
       </p:ext>
     </p:extLst>
   </p:cSld>
@@ -1595,13 +1454,7 @@
       </p:grpSpPr>
       <p:sp>
         <p:nvSpPr>
-          <p:cNvPr id="2" name="Заголовок 1">
-            <a:extLst>
-              <a:ext uri="{FF2B5EF4-FFF2-40B4-BE49-F238E27FC236}">
-                <a16:creationId xmlns:a16="http://schemas.microsoft.com/office/drawing/2014/main" id="{8B32BA64-122E-066E-2172-33EC1ADB0105}"/>
-              </a:ext>
-            </a:extLst>
-          </p:cNvPr>
+          <p:cNvPr id="2" name="Title 1"/>
           <p:cNvSpPr>
             <a:spLocks noGrp="1"/>
           </p:cNvSpPr>
@@ -1618,18 +1471,13 @@
               <a:rPr lang="ru-RU"/>
               <a:t>Образец заголовка</a:t>
             </a:r>
-          </a:p>
-        </p:txBody>
-      </p:sp>
-      <p:sp>
-        <p:nvSpPr>
-          <p:cNvPr id="3" name="Объект 2">
-            <a:extLst>
-              <a:ext uri="{FF2B5EF4-FFF2-40B4-BE49-F238E27FC236}">
-                <a16:creationId xmlns:a16="http://schemas.microsoft.com/office/drawing/2014/main" id="{C196861C-48FC-6EB3-1431-D5EC515920B8}"/>
-              </a:ext>
-            </a:extLst>
-          </p:cNvPr>
+            <a:endParaRPr lang="en-US" dirty="0"/>
+          </a:p>
+        </p:txBody>
+      </p:sp>
+      <p:sp>
+        <p:nvSpPr>
+          <p:cNvPr id="3" name="Content Placeholder 2"/>
           <p:cNvSpPr>
             <a:spLocks noGrp="1"/>
           </p:cNvSpPr>
@@ -1680,18 +1528,13 @@
               <a:rPr lang="ru-RU"/>
               <a:t>Пятый уровень</a:t>
             </a:r>
-          </a:p>
-        </p:txBody>
-      </p:sp>
-      <p:sp>
-        <p:nvSpPr>
-          <p:cNvPr id="4" name="Объект 3">
-            <a:extLst>
-              <a:ext uri="{FF2B5EF4-FFF2-40B4-BE49-F238E27FC236}">
-                <a16:creationId xmlns:a16="http://schemas.microsoft.com/office/drawing/2014/main" id="{F82E8F58-18D6-D1DF-0A73-A2E51C22689A}"/>
-              </a:ext>
-            </a:extLst>
-          </p:cNvPr>
+            <a:endParaRPr lang="en-US" dirty="0"/>
+          </a:p>
+        </p:txBody>
+      </p:sp>
+      <p:sp>
+        <p:nvSpPr>
+          <p:cNvPr id="4" name="Content Placeholder 3"/>
           <p:cNvSpPr>
             <a:spLocks noGrp="1"/>
           </p:cNvSpPr>
@@ -1742,18 +1585,13 @@
               <a:rPr lang="ru-RU"/>
               <a:t>Пятый уровень</a:t>
             </a:r>
-          </a:p>
-        </p:txBody>
-      </p:sp>
-      <p:sp>
-        <p:nvSpPr>
-          <p:cNvPr id="5" name="Дата 4">
-            <a:extLst>
-              <a:ext uri="{FF2B5EF4-FFF2-40B4-BE49-F238E27FC236}">
-                <a16:creationId xmlns:a16="http://schemas.microsoft.com/office/drawing/2014/main" id="{24A4F6C4-83F0-1C47-2E6F-EA99C3E2B3EC}"/>
-              </a:ext>
-            </a:extLst>
-          </p:cNvPr>
+            <a:endParaRPr lang="en-US" dirty="0"/>
+          </a:p>
+        </p:txBody>
+      </p:sp>
+      <p:sp>
+        <p:nvSpPr>
+          <p:cNvPr id="5" name="Date Placeholder 4"/>
           <p:cNvSpPr>
             <a:spLocks noGrp="1"/>
           </p:cNvSpPr>
@@ -1768,7 +1606,7 @@
           <a:p>
             <a:fld id="{93793127-953A-4FF8-AD25-9A7EAEB5CF5E}" type="datetime1">
               <a:rPr lang="ru-RU" smtClean="0"/>
-              <a:t>30.05.2022</a:t>
+              <a:t>31.05.2022</a:t>
             </a:fld>
             <a:endParaRPr lang="ru-RU"/>
           </a:p>
@@ -1776,13 +1614,7 @@
       </p:sp>
       <p:sp>
         <p:nvSpPr>
-          <p:cNvPr id="6" name="Нижний колонтитул 5">
-            <a:extLst>
-              <a:ext uri="{FF2B5EF4-FFF2-40B4-BE49-F238E27FC236}">
-                <a16:creationId xmlns:a16="http://schemas.microsoft.com/office/drawing/2014/main" id="{810F06BC-26B4-8429-1E83-A0C8D6342471}"/>
-              </a:ext>
-            </a:extLst>
-          </p:cNvPr>
+          <p:cNvPr id="6" name="Footer Placeholder 5"/>
           <p:cNvSpPr>
             <a:spLocks noGrp="1"/>
           </p:cNvSpPr>
@@ -1801,13 +1633,7 @@
       </p:sp>
       <p:sp>
         <p:nvSpPr>
-          <p:cNvPr id="7" name="Номер слайда 6">
-            <a:extLst>
-              <a:ext uri="{FF2B5EF4-FFF2-40B4-BE49-F238E27FC236}">
-                <a16:creationId xmlns:a16="http://schemas.microsoft.com/office/drawing/2014/main" id="{D9326908-B599-99F9-88DC-3137416E1C44}"/>
-              </a:ext>
-            </a:extLst>
-          </p:cNvPr>
+          <p:cNvPr id="7" name="Slide Number Placeholder 6"/>
           <p:cNvSpPr>
             <a:spLocks noGrp="1"/>
           </p:cNvSpPr>
@@ -1831,7 +1657,7 @@
     </p:spTree>
     <p:extLst>
       <p:ext uri="{BB962C8B-B14F-4D97-AF65-F5344CB8AC3E}">
-        <p14:creationId xmlns:p14="http://schemas.microsoft.com/office/powerpoint/2010/main" val="2875071807"/>
+        <p14:creationId xmlns:p14="http://schemas.microsoft.com/office/powerpoint/2010/main" val="707667308"/>
       </p:ext>
     </p:extLst>
   </p:cSld>
@@ -1860,13 +1686,7 @@
       </p:grpSpPr>
       <p:sp>
         <p:nvSpPr>
-          <p:cNvPr id="2" name="Заголовок 1">
-            <a:extLst>
-              <a:ext uri="{FF2B5EF4-FFF2-40B4-BE49-F238E27FC236}">
-                <a16:creationId xmlns:a16="http://schemas.microsoft.com/office/drawing/2014/main" id="{E810BCB5-324F-A066-27D8-AAF4B6F91A2A}"/>
-              </a:ext>
-            </a:extLst>
-          </p:cNvPr>
+          <p:cNvPr id="2" name="Title 1"/>
           <p:cNvSpPr>
             <a:spLocks noGrp="1"/>
           </p:cNvSpPr>
@@ -1888,18 +1708,13 @@
               <a:rPr lang="ru-RU"/>
               <a:t>Образец заголовка</a:t>
             </a:r>
-          </a:p>
-        </p:txBody>
-      </p:sp>
-      <p:sp>
-        <p:nvSpPr>
-          <p:cNvPr id="3" name="Текст 2">
-            <a:extLst>
-              <a:ext uri="{FF2B5EF4-FFF2-40B4-BE49-F238E27FC236}">
-                <a16:creationId xmlns:a16="http://schemas.microsoft.com/office/drawing/2014/main" id="{6B4963FA-61EF-8564-B64D-4EE64E8C602C}"/>
-              </a:ext>
-            </a:extLst>
-          </p:cNvPr>
+            <a:endParaRPr lang="en-US" dirty="0"/>
+          </a:p>
+        </p:txBody>
+      </p:sp>
+      <p:sp>
+        <p:nvSpPr>
+          <p:cNvPr id="3" name="Text Placeholder 2"/>
           <p:cNvSpPr>
             <a:spLocks noGrp="1"/>
           </p:cNvSpPr>
@@ -1964,13 +1779,7 @@
       </p:sp>
       <p:sp>
         <p:nvSpPr>
-          <p:cNvPr id="4" name="Объект 3">
-            <a:extLst>
-              <a:ext uri="{FF2B5EF4-FFF2-40B4-BE49-F238E27FC236}">
-                <a16:creationId xmlns:a16="http://schemas.microsoft.com/office/drawing/2014/main" id="{18FA4BF6-2CD1-D880-DC86-4116A0F51C11}"/>
-              </a:ext>
-            </a:extLst>
-          </p:cNvPr>
+          <p:cNvPr id="4" name="Content Placeholder 3"/>
           <p:cNvSpPr>
             <a:spLocks noGrp="1"/>
           </p:cNvSpPr>
@@ -2021,18 +1830,13 @@
               <a:rPr lang="ru-RU"/>
               <a:t>Пятый уровень</a:t>
             </a:r>
-          </a:p>
-        </p:txBody>
-      </p:sp>
-      <p:sp>
-        <p:nvSpPr>
-          <p:cNvPr id="5" name="Текст 4">
-            <a:extLst>
-              <a:ext uri="{FF2B5EF4-FFF2-40B4-BE49-F238E27FC236}">
-                <a16:creationId xmlns:a16="http://schemas.microsoft.com/office/drawing/2014/main" id="{0DCE8547-9818-B628-A99A-96837B77D28B}"/>
-              </a:ext>
-            </a:extLst>
-          </p:cNvPr>
+            <a:endParaRPr lang="en-US" dirty="0"/>
+          </a:p>
+        </p:txBody>
+      </p:sp>
+      <p:sp>
+        <p:nvSpPr>
+          <p:cNvPr id="5" name="Text Placeholder 4"/>
           <p:cNvSpPr>
             <a:spLocks noGrp="1"/>
           </p:cNvSpPr>
@@ -2097,13 +1901,7 @@
       </p:sp>
       <p:sp>
         <p:nvSpPr>
-          <p:cNvPr id="6" name="Объект 5">
-            <a:extLst>
-              <a:ext uri="{FF2B5EF4-FFF2-40B4-BE49-F238E27FC236}">
-                <a16:creationId xmlns:a16="http://schemas.microsoft.com/office/drawing/2014/main" id="{9D24F420-CD27-B206-0568-2382FCA10AA3}"/>
-              </a:ext>
-            </a:extLst>
-          </p:cNvPr>
+          <p:cNvPr id="6" name="Content Placeholder 5"/>
           <p:cNvSpPr>
             <a:spLocks noGrp="1"/>
           </p:cNvSpPr>
@@ -2154,18 +1952,13 @@
               <a:rPr lang="ru-RU"/>
               <a:t>Пятый уровень</a:t>
             </a:r>
-          </a:p>
-        </p:txBody>
-      </p:sp>
-      <p:sp>
-        <p:nvSpPr>
-          <p:cNvPr id="7" name="Дата 6">
-            <a:extLst>
-              <a:ext uri="{FF2B5EF4-FFF2-40B4-BE49-F238E27FC236}">
-                <a16:creationId xmlns:a16="http://schemas.microsoft.com/office/drawing/2014/main" id="{4A962BB0-FA9C-4576-70F4-418DE5B8DA10}"/>
-              </a:ext>
-            </a:extLst>
-          </p:cNvPr>
+            <a:endParaRPr lang="en-US" dirty="0"/>
+          </a:p>
+        </p:txBody>
+      </p:sp>
+      <p:sp>
+        <p:nvSpPr>
+          <p:cNvPr id="7" name="Date Placeholder 6"/>
           <p:cNvSpPr>
             <a:spLocks noGrp="1"/>
           </p:cNvSpPr>
@@ -2180,7 +1973,7 @@
           <a:p>
             <a:fld id="{7CA2C41C-A390-4D97-B644-81D6A86436D0}" type="datetime1">
               <a:rPr lang="ru-RU" smtClean="0"/>
-              <a:t>30.05.2022</a:t>
+              <a:t>31.05.2022</a:t>
             </a:fld>
             <a:endParaRPr lang="ru-RU"/>
           </a:p>
@@ -2188,13 +1981,7 @@
       </p:sp>
       <p:sp>
         <p:nvSpPr>
-          <p:cNvPr id="8" name="Нижний колонтитул 7">
-            <a:extLst>
-              <a:ext uri="{FF2B5EF4-FFF2-40B4-BE49-F238E27FC236}">
-                <a16:creationId xmlns:a16="http://schemas.microsoft.com/office/drawing/2014/main" id="{5573C93D-46A1-42C8-B659-174F13F0F256}"/>
-              </a:ext>
-            </a:extLst>
-          </p:cNvPr>
+          <p:cNvPr id="8" name="Footer Placeholder 7"/>
           <p:cNvSpPr>
             <a:spLocks noGrp="1"/>
           </p:cNvSpPr>
@@ -2213,13 +2000,7 @@
       </p:sp>
       <p:sp>
         <p:nvSpPr>
-          <p:cNvPr id="9" name="Номер слайда 8">
-            <a:extLst>
-              <a:ext uri="{FF2B5EF4-FFF2-40B4-BE49-F238E27FC236}">
-                <a16:creationId xmlns:a16="http://schemas.microsoft.com/office/drawing/2014/main" id="{90658E31-7234-28F3-F5A3-36CF698AF46D}"/>
-              </a:ext>
-            </a:extLst>
-          </p:cNvPr>
+          <p:cNvPr id="9" name="Slide Number Placeholder 8"/>
           <p:cNvSpPr>
             <a:spLocks noGrp="1"/>
           </p:cNvSpPr>
@@ -2243,7 +2024,7 @@
     </p:spTree>
     <p:extLst>
       <p:ext uri="{BB962C8B-B14F-4D97-AF65-F5344CB8AC3E}">
-        <p14:creationId xmlns:p14="http://schemas.microsoft.com/office/powerpoint/2010/main" val="2413762167"/>
+        <p14:creationId xmlns:p14="http://schemas.microsoft.com/office/powerpoint/2010/main" val="1041469836"/>
       </p:ext>
     </p:extLst>
   </p:cSld>
@@ -2272,13 +2053,7 @@
       </p:grpSpPr>
       <p:sp>
         <p:nvSpPr>
-          <p:cNvPr id="2" name="Заголовок 1">
-            <a:extLst>
-              <a:ext uri="{FF2B5EF4-FFF2-40B4-BE49-F238E27FC236}">
-                <a16:creationId xmlns:a16="http://schemas.microsoft.com/office/drawing/2014/main" id="{D3A783D5-85C1-CB8D-240E-C5D138541132}"/>
-              </a:ext>
-            </a:extLst>
-          </p:cNvPr>
+          <p:cNvPr id="2" name="Title 1"/>
           <p:cNvSpPr>
             <a:spLocks noGrp="1"/>
           </p:cNvSpPr>
@@ -2295,18 +2070,13 @@
               <a:rPr lang="ru-RU"/>
               <a:t>Образец заголовка</a:t>
             </a:r>
-          </a:p>
-        </p:txBody>
-      </p:sp>
-      <p:sp>
-        <p:nvSpPr>
-          <p:cNvPr id="3" name="Дата 2">
-            <a:extLst>
-              <a:ext uri="{FF2B5EF4-FFF2-40B4-BE49-F238E27FC236}">
-                <a16:creationId xmlns:a16="http://schemas.microsoft.com/office/drawing/2014/main" id="{9B0E7E6C-9627-D3F6-AAE8-B47593AE5397}"/>
-              </a:ext>
-            </a:extLst>
-          </p:cNvPr>
+            <a:endParaRPr lang="en-US" dirty="0"/>
+          </a:p>
+        </p:txBody>
+      </p:sp>
+      <p:sp>
+        <p:nvSpPr>
+          <p:cNvPr id="3" name="Date Placeholder 2"/>
           <p:cNvSpPr>
             <a:spLocks noGrp="1"/>
           </p:cNvSpPr>
@@ -2321,7 +2091,7 @@
           <a:p>
             <a:fld id="{01C7CE23-07DC-4D29-AE4F-CF9126D438E0}" type="datetime1">
               <a:rPr lang="ru-RU" smtClean="0"/>
-              <a:t>30.05.2022</a:t>
+              <a:t>31.05.2022</a:t>
             </a:fld>
             <a:endParaRPr lang="ru-RU"/>
           </a:p>
@@ -2329,13 +2099,7 @@
       </p:sp>
       <p:sp>
         <p:nvSpPr>
-          <p:cNvPr id="4" name="Нижний колонтитул 3">
-            <a:extLst>
-              <a:ext uri="{FF2B5EF4-FFF2-40B4-BE49-F238E27FC236}">
-                <a16:creationId xmlns:a16="http://schemas.microsoft.com/office/drawing/2014/main" id="{14B8F54C-F635-1A74-370E-673A475A42E9}"/>
-              </a:ext>
-            </a:extLst>
-          </p:cNvPr>
+          <p:cNvPr id="4" name="Footer Placeholder 3"/>
           <p:cNvSpPr>
             <a:spLocks noGrp="1"/>
           </p:cNvSpPr>
@@ -2354,13 +2118,7 @@
       </p:sp>
       <p:sp>
         <p:nvSpPr>
-          <p:cNvPr id="5" name="Номер слайда 4">
-            <a:extLst>
-              <a:ext uri="{FF2B5EF4-FFF2-40B4-BE49-F238E27FC236}">
-                <a16:creationId xmlns:a16="http://schemas.microsoft.com/office/drawing/2014/main" id="{4D0A5EA8-150F-EB2E-8652-994643BA0332}"/>
-              </a:ext>
-            </a:extLst>
-          </p:cNvPr>
+          <p:cNvPr id="5" name="Slide Number Placeholder 4"/>
           <p:cNvSpPr>
             <a:spLocks noGrp="1"/>
           </p:cNvSpPr>
@@ -2384,7 +2142,7 @@
     </p:spTree>
     <p:extLst>
       <p:ext uri="{BB962C8B-B14F-4D97-AF65-F5344CB8AC3E}">
-        <p14:creationId xmlns:p14="http://schemas.microsoft.com/office/powerpoint/2010/main" val="363433224"/>
+        <p14:creationId xmlns:p14="http://schemas.microsoft.com/office/powerpoint/2010/main" val="3866093787"/>
       </p:ext>
     </p:extLst>
   </p:cSld>
@@ -2413,13 +2171,7 @@
       </p:grpSpPr>
       <p:sp>
         <p:nvSpPr>
-          <p:cNvPr id="2" name="Дата 1">
-            <a:extLst>
-              <a:ext uri="{FF2B5EF4-FFF2-40B4-BE49-F238E27FC236}">
-                <a16:creationId xmlns:a16="http://schemas.microsoft.com/office/drawing/2014/main" id="{BFA521B0-1A94-D119-3702-BE6194D526F3}"/>
-              </a:ext>
-            </a:extLst>
-          </p:cNvPr>
+          <p:cNvPr id="2" name="Date Placeholder 1"/>
           <p:cNvSpPr>
             <a:spLocks noGrp="1"/>
           </p:cNvSpPr>
@@ -2434,7 +2186,7 @@
           <a:p>
             <a:fld id="{6416D010-49B1-4964-92ED-287255F37D04}" type="datetime1">
               <a:rPr lang="ru-RU" smtClean="0"/>
-              <a:t>30.05.2022</a:t>
+              <a:t>31.05.2022</a:t>
             </a:fld>
             <a:endParaRPr lang="ru-RU"/>
           </a:p>
@@ -2442,13 +2194,7 @@
       </p:sp>
       <p:sp>
         <p:nvSpPr>
-          <p:cNvPr id="3" name="Нижний колонтитул 2">
-            <a:extLst>
-              <a:ext uri="{FF2B5EF4-FFF2-40B4-BE49-F238E27FC236}">
-                <a16:creationId xmlns:a16="http://schemas.microsoft.com/office/drawing/2014/main" id="{AC34D0D9-5F46-1C29-0085-8D8F8FB271E4}"/>
-              </a:ext>
-            </a:extLst>
-          </p:cNvPr>
+          <p:cNvPr id="3" name="Footer Placeholder 2"/>
           <p:cNvSpPr>
             <a:spLocks noGrp="1"/>
           </p:cNvSpPr>
@@ -2467,13 +2213,7 @@
       </p:sp>
       <p:sp>
         <p:nvSpPr>
-          <p:cNvPr id="4" name="Номер слайда 3">
-            <a:extLst>
-              <a:ext uri="{FF2B5EF4-FFF2-40B4-BE49-F238E27FC236}">
-                <a16:creationId xmlns:a16="http://schemas.microsoft.com/office/drawing/2014/main" id="{2D0DC735-6E91-A46B-33F2-2C64CB64B0F0}"/>
-              </a:ext>
-            </a:extLst>
-          </p:cNvPr>
+          <p:cNvPr id="4" name="Slide Number Placeholder 3"/>
           <p:cNvSpPr>
             <a:spLocks noGrp="1"/>
           </p:cNvSpPr>
@@ -2497,7 +2237,7 @@
     </p:spTree>
     <p:extLst>
       <p:ext uri="{BB962C8B-B14F-4D97-AF65-F5344CB8AC3E}">
-        <p14:creationId xmlns:p14="http://schemas.microsoft.com/office/powerpoint/2010/main" val="3126714732"/>
+        <p14:creationId xmlns:p14="http://schemas.microsoft.com/office/powerpoint/2010/main" val="3431659360"/>
       </p:ext>
     </p:extLst>
   </p:cSld>
@@ -2526,13 +2266,7 @@
       </p:grpSpPr>
       <p:sp>
         <p:nvSpPr>
-          <p:cNvPr id="2" name="Заголовок 1">
-            <a:extLst>
-              <a:ext uri="{FF2B5EF4-FFF2-40B4-BE49-F238E27FC236}">
-                <a16:creationId xmlns:a16="http://schemas.microsoft.com/office/drawing/2014/main" id="{CFB23C97-AD13-3CD3-D1C9-567500AE943C}"/>
-              </a:ext>
-            </a:extLst>
-          </p:cNvPr>
+          <p:cNvPr id="2" name="Title 1"/>
           <p:cNvSpPr>
             <a:spLocks noGrp="1"/>
           </p:cNvSpPr>
@@ -2558,18 +2292,13 @@
               <a:rPr lang="ru-RU"/>
               <a:t>Образец заголовка</a:t>
             </a:r>
-          </a:p>
-        </p:txBody>
-      </p:sp>
-      <p:sp>
-        <p:nvSpPr>
-          <p:cNvPr id="3" name="Объект 2">
-            <a:extLst>
-              <a:ext uri="{FF2B5EF4-FFF2-40B4-BE49-F238E27FC236}">
-                <a16:creationId xmlns:a16="http://schemas.microsoft.com/office/drawing/2014/main" id="{DB651E30-9E40-2FC0-30A3-C9F73650F00A}"/>
-              </a:ext>
-            </a:extLst>
-          </p:cNvPr>
+            <a:endParaRPr lang="en-US" dirty="0"/>
+          </a:p>
+        </p:txBody>
+      </p:sp>
+      <p:sp>
+        <p:nvSpPr>
+          <p:cNvPr id="3" name="Content Placeholder 2"/>
           <p:cNvSpPr>
             <a:spLocks noGrp="1"/>
           </p:cNvSpPr>
@@ -2648,18 +2377,13 @@
               <a:rPr lang="ru-RU"/>
               <a:t>Пятый уровень</a:t>
             </a:r>
-          </a:p>
-        </p:txBody>
-      </p:sp>
-      <p:sp>
-        <p:nvSpPr>
-          <p:cNvPr id="4" name="Текст 3">
-            <a:extLst>
-              <a:ext uri="{FF2B5EF4-FFF2-40B4-BE49-F238E27FC236}">
-                <a16:creationId xmlns:a16="http://schemas.microsoft.com/office/drawing/2014/main" id="{BFBCE1FA-6ED6-A046-548E-6B2A4F985322}"/>
-              </a:ext>
-            </a:extLst>
-          </p:cNvPr>
+            <a:endParaRPr lang="en-US" dirty="0"/>
+          </a:p>
+        </p:txBody>
+      </p:sp>
+      <p:sp>
+        <p:nvSpPr>
+          <p:cNvPr id="4" name="Text Placeholder 3"/>
           <p:cNvSpPr>
             <a:spLocks noGrp="1"/>
           </p:cNvSpPr>
@@ -2724,13 +2448,7 @@
       </p:sp>
       <p:sp>
         <p:nvSpPr>
-          <p:cNvPr id="5" name="Дата 4">
-            <a:extLst>
-              <a:ext uri="{FF2B5EF4-FFF2-40B4-BE49-F238E27FC236}">
-                <a16:creationId xmlns:a16="http://schemas.microsoft.com/office/drawing/2014/main" id="{C4CF02CF-CE17-08A2-445D-EE06B5C8F0C1}"/>
-              </a:ext>
-            </a:extLst>
-          </p:cNvPr>
+          <p:cNvPr id="5" name="Date Placeholder 4"/>
           <p:cNvSpPr>
             <a:spLocks noGrp="1"/>
           </p:cNvSpPr>
@@ -2745,7 +2463,7 @@
           <a:p>
             <a:fld id="{9EB75F55-3DD5-4CE3-9B54-727202BA15E9}" type="datetime1">
               <a:rPr lang="ru-RU" smtClean="0"/>
-              <a:t>30.05.2022</a:t>
+              <a:t>31.05.2022</a:t>
             </a:fld>
             <a:endParaRPr lang="ru-RU"/>
           </a:p>
@@ -2753,13 +2471,7 @@
       </p:sp>
       <p:sp>
         <p:nvSpPr>
-          <p:cNvPr id="6" name="Нижний колонтитул 5">
-            <a:extLst>
-              <a:ext uri="{FF2B5EF4-FFF2-40B4-BE49-F238E27FC236}">
-                <a16:creationId xmlns:a16="http://schemas.microsoft.com/office/drawing/2014/main" id="{76003D79-6114-85D6-5921-1CEC9C915D95}"/>
-              </a:ext>
-            </a:extLst>
-          </p:cNvPr>
+          <p:cNvPr id="6" name="Footer Placeholder 5"/>
           <p:cNvSpPr>
             <a:spLocks noGrp="1"/>
           </p:cNvSpPr>
@@ -2778,13 +2490,7 @@
       </p:sp>
       <p:sp>
         <p:nvSpPr>
-          <p:cNvPr id="7" name="Номер слайда 6">
-            <a:extLst>
-              <a:ext uri="{FF2B5EF4-FFF2-40B4-BE49-F238E27FC236}">
-                <a16:creationId xmlns:a16="http://schemas.microsoft.com/office/drawing/2014/main" id="{691ACABA-CE53-6811-1E08-975E8428180A}"/>
-              </a:ext>
-            </a:extLst>
-          </p:cNvPr>
+          <p:cNvPr id="7" name="Slide Number Placeholder 6"/>
           <p:cNvSpPr>
             <a:spLocks noGrp="1"/>
           </p:cNvSpPr>
@@ -2808,7 +2514,7 @@
     </p:spTree>
     <p:extLst>
       <p:ext uri="{BB962C8B-B14F-4D97-AF65-F5344CB8AC3E}">
-        <p14:creationId xmlns:p14="http://schemas.microsoft.com/office/powerpoint/2010/main" val="3109724754"/>
+        <p14:creationId xmlns:p14="http://schemas.microsoft.com/office/powerpoint/2010/main" val="2014411770"/>
       </p:ext>
     </p:extLst>
   </p:cSld>
@@ -2837,13 +2543,7 @@
       </p:grpSpPr>
       <p:sp>
         <p:nvSpPr>
-          <p:cNvPr id="2" name="Заголовок 1">
-            <a:extLst>
-              <a:ext uri="{FF2B5EF4-FFF2-40B4-BE49-F238E27FC236}">
-                <a16:creationId xmlns:a16="http://schemas.microsoft.com/office/drawing/2014/main" id="{278E8855-6B95-616C-798B-D26358BA6F88}"/>
-              </a:ext>
-            </a:extLst>
-          </p:cNvPr>
+          <p:cNvPr id="2" name="Title 1"/>
           <p:cNvSpPr>
             <a:spLocks noGrp="1"/>
           </p:cNvSpPr>
@@ -2869,20 +2569,15 @@
               <a:rPr lang="ru-RU"/>
               <a:t>Образец заголовка</a:t>
             </a:r>
-          </a:p>
-        </p:txBody>
-      </p:sp>
-      <p:sp>
-        <p:nvSpPr>
-          <p:cNvPr id="3" name="Рисунок 2">
-            <a:extLst>
-              <a:ext uri="{FF2B5EF4-FFF2-40B4-BE49-F238E27FC236}">
-                <a16:creationId xmlns:a16="http://schemas.microsoft.com/office/drawing/2014/main" id="{EC9F7D99-42C2-6140-C113-BE718256E2F0}"/>
-              </a:ext>
-            </a:extLst>
-          </p:cNvPr>
-          <p:cNvSpPr>
-            <a:spLocks noGrp="1"/>
+            <a:endParaRPr lang="en-US" dirty="0"/>
+          </a:p>
+        </p:txBody>
+      </p:sp>
+      <p:sp>
+        <p:nvSpPr>
+          <p:cNvPr id="3" name="Picture Placeholder 2"/>
+          <p:cNvSpPr>
+            <a:spLocks noGrp="1" noChangeAspect="1"/>
           </p:cNvSpPr>
           <p:nvPr>
             <p:ph type="pic" idx="1"/>
@@ -2895,7 +2590,7 @@
           </a:xfrm>
         </p:spPr>
         <p:txBody>
-          <a:bodyPr/>
+          <a:bodyPr anchor="t"/>
           <a:lstStyle>
             <a:lvl1pPr marL="0" indent="0">
               <a:buNone/>
@@ -2935,19 +2630,17 @@
             </a:lvl9pPr>
           </a:lstStyle>
           <a:p>
-            <a:endParaRPr lang="ru-RU"/>
-          </a:p>
-        </p:txBody>
-      </p:sp>
-      <p:sp>
-        <p:nvSpPr>
-          <p:cNvPr id="4" name="Текст 3">
-            <a:extLst>
-              <a:ext uri="{FF2B5EF4-FFF2-40B4-BE49-F238E27FC236}">
-                <a16:creationId xmlns:a16="http://schemas.microsoft.com/office/drawing/2014/main" id="{3D82D4ED-BA73-4844-5FC8-7DFD1047F7E3}"/>
-              </a:ext>
-            </a:extLst>
-          </p:cNvPr>
+            <a:r>
+              <a:rPr lang="ru-RU"/>
+              <a:t>Вставка рисунка</a:t>
+            </a:r>
+            <a:endParaRPr lang="en-US" dirty="0"/>
+          </a:p>
+        </p:txBody>
+      </p:sp>
+      <p:sp>
+        <p:nvSpPr>
+          <p:cNvPr id="4" name="Text Placeholder 3"/>
           <p:cNvSpPr>
             <a:spLocks noGrp="1"/>
           </p:cNvSpPr>
@@ -3012,13 +2705,7 @@
       </p:sp>
       <p:sp>
         <p:nvSpPr>
-          <p:cNvPr id="5" name="Дата 4">
-            <a:extLst>
-              <a:ext uri="{FF2B5EF4-FFF2-40B4-BE49-F238E27FC236}">
-                <a16:creationId xmlns:a16="http://schemas.microsoft.com/office/drawing/2014/main" id="{B1FB751E-1E84-6C70-3A42-CE98348FB189}"/>
-              </a:ext>
-            </a:extLst>
-          </p:cNvPr>
+          <p:cNvPr id="5" name="Date Placeholder 4"/>
           <p:cNvSpPr>
             <a:spLocks noGrp="1"/>
           </p:cNvSpPr>
@@ -3033,7 +2720,7 @@
           <a:p>
             <a:fld id="{C04789F8-F8FE-4256-8AFF-2567DB3965F4}" type="datetime1">
               <a:rPr lang="ru-RU" smtClean="0"/>
-              <a:t>30.05.2022</a:t>
+              <a:t>31.05.2022</a:t>
             </a:fld>
             <a:endParaRPr lang="ru-RU"/>
           </a:p>
@@ -3041,13 +2728,7 @@
       </p:sp>
       <p:sp>
         <p:nvSpPr>
-          <p:cNvPr id="6" name="Нижний колонтитул 5">
-            <a:extLst>
-              <a:ext uri="{FF2B5EF4-FFF2-40B4-BE49-F238E27FC236}">
-                <a16:creationId xmlns:a16="http://schemas.microsoft.com/office/drawing/2014/main" id="{090285D6-F2D9-344C-2821-5C23FA9AD550}"/>
-              </a:ext>
-            </a:extLst>
-          </p:cNvPr>
+          <p:cNvPr id="6" name="Footer Placeholder 5"/>
           <p:cNvSpPr>
             <a:spLocks noGrp="1"/>
           </p:cNvSpPr>
@@ -3066,13 +2747,7 @@
       </p:sp>
       <p:sp>
         <p:nvSpPr>
-          <p:cNvPr id="7" name="Номер слайда 6">
-            <a:extLst>
-              <a:ext uri="{FF2B5EF4-FFF2-40B4-BE49-F238E27FC236}">
-                <a16:creationId xmlns:a16="http://schemas.microsoft.com/office/drawing/2014/main" id="{9DCBEDDF-3BEE-FBD7-2B6A-F6B395C0E909}"/>
-              </a:ext>
-            </a:extLst>
-          </p:cNvPr>
+          <p:cNvPr id="7" name="Slide Number Placeholder 6"/>
           <p:cNvSpPr>
             <a:spLocks noGrp="1"/>
           </p:cNvSpPr>
@@ -3096,7 +2771,7 @@
     </p:spTree>
     <p:extLst>
       <p:ext uri="{BB962C8B-B14F-4D97-AF65-F5344CB8AC3E}">
-        <p14:creationId xmlns:p14="http://schemas.microsoft.com/office/powerpoint/2010/main" val="398291708"/>
+        <p14:creationId xmlns:p14="http://schemas.microsoft.com/office/powerpoint/2010/main" val="2942062270"/>
       </p:ext>
     </p:extLst>
   </p:cSld>
@@ -3130,13 +2805,7 @@
       </p:grpSpPr>
       <p:sp>
         <p:nvSpPr>
-          <p:cNvPr id="2" name="Заголовок 1">
-            <a:extLst>
-              <a:ext uri="{FF2B5EF4-FFF2-40B4-BE49-F238E27FC236}">
-                <a16:creationId xmlns:a16="http://schemas.microsoft.com/office/drawing/2014/main" id="{51C7A170-D9F2-0550-1EAF-55A9B91E6557}"/>
-              </a:ext>
-            </a:extLst>
-          </p:cNvPr>
+          <p:cNvPr id="2" name="Title Placeholder 1"/>
           <p:cNvSpPr>
             <a:spLocks noGrp="1"/>
           </p:cNvSpPr>
@@ -3163,18 +2832,13 @@
               <a:rPr lang="ru-RU"/>
               <a:t>Образец заголовка</a:t>
             </a:r>
-          </a:p>
-        </p:txBody>
-      </p:sp>
-      <p:sp>
-        <p:nvSpPr>
-          <p:cNvPr id="3" name="Текст 2">
-            <a:extLst>
-              <a:ext uri="{FF2B5EF4-FFF2-40B4-BE49-F238E27FC236}">
-                <a16:creationId xmlns:a16="http://schemas.microsoft.com/office/drawing/2014/main" id="{E1B55363-7AAD-FFC0-3A7B-CFC947E01EA9}"/>
-              </a:ext>
-            </a:extLst>
-          </p:cNvPr>
+            <a:endParaRPr lang="en-US" dirty="0"/>
+          </a:p>
+        </p:txBody>
+      </p:sp>
+      <p:sp>
+        <p:nvSpPr>
+          <p:cNvPr id="3" name="Text Placeholder 2"/>
           <p:cNvSpPr>
             <a:spLocks noGrp="1"/>
           </p:cNvSpPr>
@@ -3230,18 +2894,13 @@
               <a:rPr lang="ru-RU"/>
               <a:t>Пятый уровень</a:t>
             </a:r>
-          </a:p>
-        </p:txBody>
-      </p:sp>
-      <p:sp>
-        <p:nvSpPr>
-          <p:cNvPr id="4" name="Дата 3">
-            <a:extLst>
-              <a:ext uri="{FF2B5EF4-FFF2-40B4-BE49-F238E27FC236}">
-                <a16:creationId xmlns:a16="http://schemas.microsoft.com/office/drawing/2014/main" id="{62AE8D95-5C0B-5394-87CE-1A2FBA2C4558}"/>
-              </a:ext>
-            </a:extLst>
-          </p:cNvPr>
+            <a:endParaRPr lang="en-US" dirty="0"/>
+          </a:p>
+        </p:txBody>
+      </p:sp>
+      <p:sp>
+        <p:nvSpPr>
+          <p:cNvPr id="4" name="Date Placeholder 3"/>
           <p:cNvSpPr>
             <a:spLocks noGrp="1"/>
           </p:cNvSpPr>
@@ -3274,7 +2933,7 @@
           <a:p>
             <a:fld id="{EA3FB417-0F2C-41D5-8173-80D866AD86E5}" type="datetime1">
               <a:rPr lang="ru-RU" smtClean="0"/>
-              <a:t>30.05.2022</a:t>
+              <a:t>31.05.2022</a:t>
             </a:fld>
             <a:endParaRPr lang="ru-RU"/>
           </a:p>
@@ -3282,13 +2941,7 @@
       </p:sp>
       <p:sp>
         <p:nvSpPr>
-          <p:cNvPr id="5" name="Нижний колонтитул 4">
-            <a:extLst>
-              <a:ext uri="{FF2B5EF4-FFF2-40B4-BE49-F238E27FC236}">
-                <a16:creationId xmlns:a16="http://schemas.microsoft.com/office/drawing/2014/main" id="{A960D1F4-C395-0C93-4656-B321BC848B35}"/>
-              </a:ext>
-            </a:extLst>
-          </p:cNvPr>
+          <p:cNvPr id="5" name="Footer Placeholder 4"/>
           <p:cNvSpPr>
             <a:spLocks noGrp="1"/>
           </p:cNvSpPr>
@@ -3325,13 +2978,7 @@
       </p:sp>
       <p:sp>
         <p:nvSpPr>
-          <p:cNvPr id="6" name="Номер слайда 5">
-            <a:extLst>
-              <a:ext uri="{FF2B5EF4-FFF2-40B4-BE49-F238E27FC236}">
-                <a16:creationId xmlns:a16="http://schemas.microsoft.com/office/drawing/2014/main" id="{60F93392-D25D-D411-BEC3-AD986CCF5CB6}"/>
-              </a:ext>
-            </a:extLst>
-          </p:cNvPr>
+          <p:cNvPr id="6" name="Slide Number Placeholder 5"/>
           <p:cNvSpPr>
             <a:spLocks noGrp="1"/>
           </p:cNvSpPr>
@@ -3373,7 +3020,7 @@
     </p:spTree>
     <p:extLst>
       <p:ext uri="{BB962C8B-B14F-4D97-AF65-F5344CB8AC3E}">
-        <p14:creationId xmlns:p14="http://schemas.microsoft.com/office/powerpoint/2010/main" val="2071244043"/>
+        <p14:creationId xmlns:p14="http://schemas.microsoft.com/office/powerpoint/2010/main" val="2923931757"/>
       </p:ext>
     </p:extLst>
   </p:cSld>
@@ -3578,7 +3225,7 @@
     </p:bodyStyle>
     <p:otherStyle>
       <a:defPPr>
-        <a:defRPr lang="ru-RU"/>
+        <a:defRPr lang="en-US"/>
       </a:defPPr>
       <a:lvl1pPr marL="0" algn="l" defTabSz="914400" rtl="0" eaLnBrk="1" latinLnBrk="0" hangingPunct="1">
         <a:defRPr sz="1800" kern="1200">
@@ -3710,7 +3357,7 @@
         </p:nvSpPr>
         <p:spPr>
           <a:xfrm>
-            <a:off x="1082040" y="1645286"/>
+            <a:off x="1082040" y="791846"/>
             <a:ext cx="10027920" cy="3053397"/>
           </a:xfrm>
         </p:spPr>
@@ -3745,7 +3392,7 @@
         </p:nvSpPr>
         <p:spPr>
           <a:xfrm>
-            <a:off x="828040" y="4891901"/>
+            <a:off x="828040" y="4038461"/>
             <a:ext cx="10535920" cy="1655762"/>
           </a:xfrm>
         </p:spPr>
@@ -3796,7 +3443,7 @@
         </p:nvSpPr>
         <p:spPr>
           <a:xfrm>
-            <a:off x="1524000" y="1138218"/>
+            <a:off x="1524000" y="284778"/>
             <a:ext cx="9144000" cy="461665"/>
           </a:xfrm>
           <a:prstGeom prst="rect">
@@ -3824,42 +3471,207 @@
       </p:sp>
       <p:sp>
         <p:nvSpPr>
-          <p:cNvPr id="5" name="Прямоугольник 4">
+          <p:cNvPr id="6" name="Подзаголовок 2">
             <a:extLst>
               <a:ext uri="{FF2B5EF4-FFF2-40B4-BE49-F238E27FC236}">
-                <a16:creationId xmlns:a16="http://schemas.microsoft.com/office/drawing/2014/main" id="{5C98651C-63A7-2177-4CDD-B1814E82A66D}"/>
+                <a16:creationId xmlns:a16="http://schemas.microsoft.com/office/drawing/2014/main" id="{59BC09B9-2B22-C054-9C41-A03605C15877}"/>
               </a:ext>
             </a:extLst>
           </p:cNvPr>
-          <p:cNvSpPr/>
+          <p:cNvSpPr txBox="1">
+            <a:spLocks/>
+          </p:cNvSpPr>
           <p:nvPr/>
         </p:nvSpPr>
         <p:spPr>
           <a:xfrm>
-            <a:off x="0" y="195016"/>
-            <a:ext cx="12192000" cy="584775"/>
+            <a:off x="828040" y="5887440"/>
+            <a:ext cx="10535920" cy="827881"/>
           </a:xfrm>
           <a:prstGeom prst="rect">
             <a:avLst/>
           </a:prstGeom>
         </p:spPr>
         <p:txBody>
-          <a:bodyPr wrap="square">
-            <a:spAutoFit/>
+          <a:bodyPr vert="horz" lIns="91440" tIns="45720" rIns="91440" bIns="45720" rtlCol="0" anchor="ctr">
+            <a:normAutofit/>
           </a:bodyPr>
-          <a:lstStyle/>
-          <a:p>
-            <a:pPr algn="ctr"/>
-            <a:r>
-              <a:rPr lang="ru-RU" sz="1600" dirty="0"/>
-              <a:t>Московский государственный технический университет имени Н.Э. Баумана </a:t>
-            </a:r>
-            <a:br>
-              <a:rPr lang="ru-RU" sz="1600" dirty="0"/>
-            </a:br>
-            <a:r>
-              <a:rPr lang="ru-RU" sz="1600" dirty="0"/>
-              <a:t>(национальный исследовательский университет)</a:t>
+          <a:lstStyle>
+            <a:lvl1pPr marL="0" indent="0" algn="ctr" defTabSz="914400" rtl="0" eaLnBrk="1" latinLnBrk="0" hangingPunct="1">
+              <a:lnSpc>
+                <a:spcPct val="90000"/>
+              </a:lnSpc>
+              <a:spcBef>
+                <a:spcPts val="1000"/>
+              </a:spcBef>
+              <a:buFont typeface="Arial" panose="020B0604020202020204" pitchFamily="34" charset="0"/>
+              <a:buNone/>
+              <a:defRPr sz="2400" kern="1200">
+                <a:solidFill>
+                  <a:schemeClr val="tx1"/>
+                </a:solidFill>
+                <a:latin typeface="+mn-lt"/>
+                <a:ea typeface="+mn-ea"/>
+                <a:cs typeface="+mn-cs"/>
+              </a:defRPr>
+            </a:lvl1pPr>
+            <a:lvl2pPr marL="457200" indent="0" algn="ctr" defTabSz="914400" rtl="0" eaLnBrk="1" latinLnBrk="0" hangingPunct="1">
+              <a:lnSpc>
+                <a:spcPct val="90000"/>
+              </a:lnSpc>
+              <a:spcBef>
+                <a:spcPts val="500"/>
+              </a:spcBef>
+              <a:buFont typeface="Arial" panose="020B0604020202020204" pitchFamily="34" charset="0"/>
+              <a:buNone/>
+              <a:defRPr sz="2000" kern="1200">
+                <a:solidFill>
+                  <a:schemeClr val="tx1"/>
+                </a:solidFill>
+                <a:latin typeface="+mn-lt"/>
+                <a:ea typeface="+mn-ea"/>
+                <a:cs typeface="+mn-cs"/>
+              </a:defRPr>
+            </a:lvl2pPr>
+            <a:lvl3pPr marL="914400" indent="0" algn="ctr" defTabSz="914400" rtl="0" eaLnBrk="1" latinLnBrk="0" hangingPunct="1">
+              <a:lnSpc>
+                <a:spcPct val="90000"/>
+              </a:lnSpc>
+              <a:spcBef>
+                <a:spcPts val="500"/>
+              </a:spcBef>
+              <a:buFont typeface="Arial" panose="020B0604020202020204" pitchFamily="34" charset="0"/>
+              <a:buNone/>
+              <a:defRPr sz="1800" kern="1200">
+                <a:solidFill>
+                  <a:schemeClr val="tx1"/>
+                </a:solidFill>
+                <a:latin typeface="+mn-lt"/>
+                <a:ea typeface="+mn-ea"/>
+                <a:cs typeface="+mn-cs"/>
+              </a:defRPr>
+            </a:lvl3pPr>
+            <a:lvl4pPr marL="1371600" indent="0" algn="ctr" defTabSz="914400" rtl="0" eaLnBrk="1" latinLnBrk="0" hangingPunct="1">
+              <a:lnSpc>
+                <a:spcPct val="90000"/>
+              </a:lnSpc>
+              <a:spcBef>
+                <a:spcPts val="500"/>
+              </a:spcBef>
+              <a:buFont typeface="Arial" panose="020B0604020202020204" pitchFamily="34" charset="0"/>
+              <a:buNone/>
+              <a:defRPr sz="1600" kern="1200">
+                <a:solidFill>
+                  <a:schemeClr val="tx1"/>
+                </a:solidFill>
+                <a:latin typeface="+mn-lt"/>
+                <a:ea typeface="+mn-ea"/>
+                <a:cs typeface="+mn-cs"/>
+              </a:defRPr>
+            </a:lvl4pPr>
+            <a:lvl5pPr marL="1828800" indent="0" algn="ctr" defTabSz="914400" rtl="0" eaLnBrk="1" latinLnBrk="0" hangingPunct="1">
+              <a:lnSpc>
+                <a:spcPct val="90000"/>
+              </a:lnSpc>
+              <a:spcBef>
+                <a:spcPts val="500"/>
+              </a:spcBef>
+              <a:buFont typeface="Arial" panose="020B0604020202020204" pitchFamily="34" charset="0"/>
+              <a:buNone/>
+              <a:defRPr sz="1600" kern="1200">
+                <a:solidFill>
+                  <a:schemeClr val="tx1"/>
+                </a:solidFill>
+                <a:latin typeface="+mn-lt"/>
+                <a:ea typeface="+mn-ea"/>
+                <a:cs typeface="+mn-cs"/>
+              </a:defRPr>
+            </a:lvl5pPr>
+            <a:lvl6pPr marL="2286000" indent="0" algn="ctr" defTabSz="914400" rtl="0" eaLnBrk="1" latinLnBrk="0" hangingPunct="1">
+              <a:lnSpc>
+                <a:spcPct val="90000"/>
+              </a:lnSpc>
+              <a:spcBef>
+                <a:spcPts val="500"/>
+              </a:spcBef>
+              <a:buFont typeface="Arial" panose="020B0604020202020204" pitchFamily="34" charset="0"/>
+              <a:buNone/>
+              <a:defRPr sz="1600" kern="1200">
+                <a:solidFill>
+                  <a:schemeClr val="tx1"/>
+                </a:solidFill>
+                <a:latin typeface="+mn-lt"/>
+                <a:ea typeface="+mn-ea"/>
+                <a:cs typeface="+mn-cs"/>
+              </a:defRPr>
+            </a:lvl6pPr>
+            <a:lvl7pPr marL="2743200" indent="0" algn="ctr" defTabSz="914400" rtl="0" eaLnBrk="1" latinLnBrk="0" hangingPunct="1">
+              <a:lnSpc>
+                <a:spcPct val="90000"/>
+              </a:lnSpc>
+              <a:spcBef>
+                <a:spcPts val="500"/>
+              </a:spcBef>
+              <a:buFont typeface="Arial" panose="020B0604020202020204" pitchFamily="34" charset="0"/>
+              <a:buNone/>
+              <a:defRPr sz="1600" kern="1200">
+                <a:solidFill>
+                  <a:schemeClr val="tx1"/>
+                </a:solidFill>
+                <a:latin typeface="+mn-lt"/>
+                <a:ea typeface="+mn-ea"/>
+                <a:cs typeface="+mn-cs"/>
+              </a:defRPr>
+            </a:lvl7pPr>
+            <a:lvl8pPr marL="3200400" indent="0" algn="ctr" defTabSz="914400" rtl="0" eaLnBrk="1" latinLnBrk="0" hangingPunct="1">
+              <a:lnSpc>
+                <a:spcPct val="90000"/>
+              </a:lnSpc>
+              <a:spcBef>
+                <a:spcPts val="500"/>
+              </a:spcBef>
+              <a:buFont typeface="Arial" panose="020B0604020202020204" pitchFamily="34" charset="0"/>
+              <a:buNone/>
+              <a:defRPr sz="1600" kern="1200">
+                <a:solidFill>
+                  <a:schemeClr val="tx1"/>
+                </a:solidFill>
+                <a:latin typeface="+mn-lt"/>
+                <a:ea typeface="+mn-ea"/>
+                <a:cs typeface="+mn-cs"/>
+              </a:defRPr>
+            </a:lvl8pPr>
+            <a:lvl9pPr marL="3657600" indent="0" algn="ctr" defTabSz="914400" rtl="0" eaLnBrk="1" latinLnBrk="0" hangingPunct="1">
+              <a:lnSpc>
+                <a:spcPct val="90000"/>
+              </a:lnSpc>
+              <a:spcBef>
+                <a:spcPts val="500"/>
+              </a:spcBef>
+              <a:buFont typeface="Arial" panose="020B0604020202020204" pitchFamily="34" charset="0"/>
+              <a:buNone/>
+              <a:defRPr sz="1600" kern="1200">
+                <a:solidFill>
+                  <a:schemeClr val="tx1"/>
+                </a:solidFill>
+                <a:latin typeface="+mn-lt"/>
+                <a:ea typeface="+mn-ea"/>
+                <a:cs typeface="+mn-cs"/>
+              </a:defRPr>
+            </a:lvl9pPr>
+          </a:lstStyle>
+          <a:p>
+            <a:r>
+              <a:rPr lang="ru-RU" dirty="0"/>
+              <a:t>Москва</a:t>
+            </a:r>
+            <a:r>
+              <a:rPr lang="en-US" dirty="0"/>
+              <a:t>, </a:t>
+            </a:r>
+            <a:r>
+              <a:rPr lang="ru-RU" dirty="0"/>
+              <a:t>2022 год</a:t>
             </a:r>
           </a:p>
         </p:txBody>
@@ -3917,7 +3729,7 @@
           <a:p>
             <a:r>
               <a:rPr lang="ru-RU" dirty="0"/>
-              <a:t>Метод интервалов</a:t>
+              <a:t>Составление расписания</a:t>
             </a:r>
           </a:p>
         </p:txBody>
@@ -3949,13 +3761,13 @@
               </a:ext>
             </a:extLst>
           </a:blip>
-          <a:srcRect l="727" t="11274" r="1028" b="28719"/>
+          <a:srcRect l="283" t="11047" r="982" b="19060"/>
           <a:stretch/>
         </p:blipFill>
         <p:spPr>
           <a:xfrm>
-            <a:off x="1209040" y="3225884"/>
-            <a:ext cx="7401560" cy="3495591"/>
+            <a:off x="2439503" y="2899411"/>
+            <a:ext cx="7458536" cy="3958589"/>
           </a:xfrm>
         </p:spPr>
       </p:pic>
@@ -3981,10 +3793,10 @@
           <a:lstStyle/>
           <a:p>
             <a:fld id="{E44E20FB-DC41-4FB4-820E-A7F1077F5D74}" type="slidenum">
-              <a:rPr lang="ru-RU" smtClean="0"/>
+              <a:rPr lang="ru-RU" sz="1600" b="1"/>
               <a:t>10</a:t>
             </a:fld>
-            <a:endParaRPr lang="ru-RU"/>
+            <a:endParaRPr lang="ru-RU" sz="1600" b="1" dirty="0"/>
           </a:p>
         </p:txBody>
       </p:sp>
@@ -4002,7 +3814,7 @@
           </p:cNvPicPr>
           <p:nvPr/>
         </p:nvPicPr>
-        <p:blipFill>
+        <p:blipFill rotWithShape="1">
           <a:blip r:embed="rId4">
             <a:extLst>
               <a:ext uri="{28A0092B-C50C-407E-A947-70E740481C1C}">
@@ -4013,14 +3825,13 @@
               </a:ext>
             </a:extLst>
           </a:blip>
-          <a:stretch>
-            <a:fillRect/>
-          </a:stretch>
+          <a:srcRect r="36442"/>
+          <a:stretch/>
         </p:blipFill>
         <p:spPr>
           <a:xfrm>
-            <a:off x="5829061" y="452966"/>
-            <a:ext cx="6224826" cy="1149879"/>
+            <a:off x="7743474" y="136525"/>
+            <a:ext cx="4064986" cy="1181448"/>
           </a:xfrm>
           <a:prstGeom prst="rect">
             <a:avLst/>
@@ -4058,8 +3869,8 @@
         </p:blipFill>
         <p:spPr>
           <a:xfrm>
-            <a:off x="5829062" y="1929342"/>
-            <a:ext cx="6224825" cy="1149879"/>
+            <a:off x="5412740" y="1517968"/>
+            <a:ext cx="6395720" cy="1181448"/>
           </a:xfrm>
           <a:prstGeom prst="rect">
             <a:avLst/>
@@ -4101,7 +3912,7 @@
           <p:cNvPr id="2" name="Заголовок 1">
             <a:extLst>
               <a:ext uri="{FF2B5EF4-FFF2-40B4-BE49-F238E27FC236}">
-                <a16:creationId xmlns:a16="http://schemas.microsoft.com/office/drawing/2014/main" id="{30DDECF4-6CB3-A52B-F6B5-252B5FB0FA24}"/>
+                <a16:creationId xmlns:a16="http://schemas.microsoft.com/office/drawing/2014/main" id="{AD4E57DD-4CA5-5BC8-9D8C-FACA51DD712F}"/>
               </a:ext>
             </a:extLst>
           </p:cNvPr>
@@ -4119,17 +3930,17 @@
           <a:p>
             <a:r>
               <a:rPr lang="ru-RU" dirty="0"/>
-              <a:t>Реализация программы</a:t>
+              <a:t>Структура программы</a:t>
             </a:r>
           </a:p>
         </p:txBody>
       </p:sp>
       <p:pic>
         <p:nvPicPr>
-          <p:cNvPr id="14" name="Объект 13">
+          <p:cNvPr id="6" name="Объект 5">
             <a:extLst>
               <a:ext uri="{FF2B5EF4-FFF2-40B4-BE49-F238E27FC236}">
-                <a16:creationId xmlns:a16="http://schemas.microsoft.com/office/drawing/2014/main" id="{A4ED088E-4CAA-3079-F4DA-D1DB840AA8BE}"/>
+                <a16:creationId xmlns:a16="http://schemas.microsoft.com/office/drawing/2014/main" id="{3EB35B95-00D2-0C3D-52A1-36A2E0053E63}"/>
               </a:ext>
             </a:extLst>
           </p:cNvPr>
@@ -4140,21 +3951,24 @@
             <p:ph idx="1"/>
           </p:nvPr>
         </p:nvPicPr>
-        <p:blipFill rotWithShape="1">
+        <p:blipFill>
           <a:blip r:embed="rId2">
             <a:extLst>
               <a:ext uri="{28A0092B-C50C-407E-A947-70E740481C1C}">
                 <a14:useLocalDpi xmlns:a14="http://schemas.microsoft.com/office/drawing/2010/main" val="0"/>
               </a:ext>
+              <a:ext uri="{96DAC541-7B7A-43D3-8B79-37D633B846F1}">
+                <asvg:svgBlip xmlns:asvg="http://schemas.microsoft.com/office/drawing/2016/SVG/main" r:embed="rId3"/>
+              </a:ext>
             </a:extLst>
           </a:blip>
-          <a:srcRect l="4849" t="10172" r="20478" b="10967"/>
+          <a:srcRect/>
           <a:stretch/>
         </p:blipFill>
         <p:spPr>
           <a:xfrm>
-            <a:off x="838200" y="1409700"/>
-            <a:ext cx="6006887" cy="3370170"/>
+            <a:off x="2132635" y="1315889"/>
+            <a:ext cx="7926729" cy="5176986"/>
           </a:xfrm>
         </p:spPr>
       </p:pic>
@@ -4163,7 +3977,7 @@
           <p:cNvPr id="4" name="Номер слайда 3">
             <a:extLst>
               <a:ext uri="{FF2B5EF4-FFF2-40B4-BE49-F238E27FC236}">
-                <a16:creationId xmlns:a16="http://schemas.microsoft.com/office/drawing/2014/main" id="{B0DC8631-66C6-3DD4-E800-03BF28DC7DA9}"/>
+                <a16:creationId xmlns:a16="http://schemas.microsoft.com/office/drawing/2014/main" id="{120EF4AE-5701-18C8-0ECE-D2E3129CE08E}"/>
               </a:ext>
             </a:extLst>
           </p:cNvPr>
@@ -4180,88 +3994,17 @@
           <a:lstStyle/>
           <a:p>
             <a:fld id="{E44E20FB-DC41-4FB4-820E-A7F1077F5D74}" type="slidenum">
-              <a:rPr lang="ru-RU" smtClean="0"/>
+              <a:rPr lang="ru-RU" sz="1600" b="1"/>
               <a:t>11</a:t>
             </a:fld>
-            <a:endParaRPr lang="ru-RU"/>
-          </a:p>
-        </p:txBody>
-      </p:sp>
-      <p:pic>
-        <p:nvPicPr>
-          <p:cNvPr id="16" name="Рисунок 15">
-            <a:extLst>
-              <a:ext uri="{FF2B5EF4-FFF2-40B4-BE49-F238E27FC236}">
-                <a16:creationId xmlns:a16="http://schemas.microsoft.com/office/drawing/2014/main" id="{FEC3DE25-7966-6D1E-16C5-38B118F0C6FD}"/>
-              </a:ext>
-            </a:extLst>
-          </p:cNvPr>
-          <p:cNvPicPr>
-            <a:picLocks noChangeAspect="1"/>
-          </p:cNvPicPr>
-          <p:nvPr/>
-        </p:nvPicPr>
-        <p:blipFill>
-          <a:blip r:embed="rId3">
-            <a:extLst>
-              <a:ext uri="{28A0092B-C50C-407E-A947-70E740481C1C}">
-                <a14:useLocalDpi xmlns:a14="http://schemas.microsoft.com/office/drawing/2010/main" val="0"/>
-              </a:ext>
-            </a:extLst>
-          </a:blip>
-          <a:stretch>
-            <a:fillRect/>
-          </a:stretch>
-        </p:blipFill>
-        <p:spPr>
-          <a:xfrm>
-            <a:off x="7677942" y="1357763"/>
-            <a:ext cx="3953476" cy="3615828"/>
-          </a:xfrm>
-          <a:prstGeom prst="rect">
-            <a:avLst/>
-          </a:prstGeom>
-        </p:spPr>
-      </p:pic>
-      <p:pic>
-        <p:nvPicPr>
-          <p:cNvPr id="20" name="Рисунок 19">
-            <a:extLst>
-              <a:ext uri="{FF2B5EF4-FFF2-40B4-BE49-F238E27FC236}">
-                <a16:creationId xmlns:a16="http://schemas.microsoft.com/office/drawing/2014/main" id="{0893E869-2B70-D388-5820-EEB5CEE95F14}"/>
-              </a:ext>
-            </a:extLst>
-          </p:cNvPr>
-          <p:cNvPicPr>
-            <a:picLocks noChangeAspect="1"/>
-          </p:cNvPicPr>
-          <p:nvPr/>
-        </p:nvPicPr>
-        <p:blipFill rotWithShape="1">
-          <a:blip r:embed="rId4">
-            <a:extLst>
-              <a:ext uri="{28A0092B-C50C-407E-A947-70E740481C1C}">
-                <a14:useLocalDpi xmlns:a14="http://schemas.microsoft.com/office/drawing/2010/main" val="0"/>
-              </a:ext>
-            </a:extLst>
-          </a:blip>
-          <a:srcRect t="15205" b="10008"/>
-          <a:stretch/>
-        </p:blipFill>
-        <p:spPr>
-          <a:xfrm>
-            <a:off x="838200" y="5167312"/>
-            <a:ext cx="10033000" cy="1463739"/>
-          </a:xfrm>
-          <a:prstGeom prst="rect">
-            <a:avLst/>
-          </a:prstGeom>
-        </p:spPr>
-      </p:pic>
+            <a:endParaRPr lang="ru-RU" sz="1600" b="1" dirty="0"/>
+          </a:p>
+        </p:txBody>
+      </p:sp>
     </p:spTree>
     <p:extLst>
       <p:ext uri="{BB962C8B-B14F-4D97-AF65-F5344CB8AC3E}">
-        <p14:creationId xmlns:p14="http://schemas.microsoft.com/office/powerpoint/2010/main" val="3334540345"/>
+        <p14:creationId xmlns:p14="http://schemas.microsoft.com/office/powerpoint/2010/main" val="2733881677"/>
       </p:ext>
     </p:extLst>
   </p:cSld>
@@ -4293,7 +4036,7 @@
           <p:cNvPr id="2" name="Заголовок 1">
             <a:extLst>
               <a:ext uri="{FF2B5EF4-FFF2-40B4-BE49-F238E27FC236}">
-                <a16:creationId xmlns:a16="http://schemas.microsoft.com/office/drawing/2014/main" id="{C8E1BD63-9C3A-4C6C-7C33-FE7E7A04C370}"/>
+                <a16:creationId xmlns:a16="http://schemas.microsoft.com/office/drawing/2014/main" id="{30DDECF4-6CB3-A52B-F6B5-252B5FB0FA24}"/>
               </a:ext>
             </a:extLst>
           </p:cNvPr>
@@ -4304,53 +4047,103 @@
             <p:ph type="title"/>
           </p:nvPr>
         </p:nvSpPr>
+        <p:spPr>
+          <a:xfrm>
+            <a:off x="838200" y="365125"/>
+            <a:ext cx="10515600" cy="1012173"/>
+          </a:xfrm>
+        </p:spPr>
+        <p:txBody>
+          <a:bodyPr/>
+          <a:lstStyle/>
+          <a:p>
+            <a:r>
+              <a:rPr lang="ru-RU" dirty="0"/>
+              <a:t>Примеры результатов работы программы</a:t>
+            </a:r>
+          </a:p>
+        </p:txBody>
+      </p:sp>
+      <p:sp>
+        <p:nvSpPr>
+          <p:cNvPr id="4" name="Номер слайда 3">
+            <a:extLst>
+              <a:ext uri="{FF2B5EF4-FFF2-40B4-BE49-F238E27FC236}">
+                <a16:creationId xmlns:a16="http://schemas.microsoft.com/office/drawing/2014/main" id="{B0DC8631-66C6-3DD4-E800-03BF28DC7DA9}"/>
+              </a:ext>
+            </a:extLst>
+          </p:cNvPr>
+          <p:cNvSpPr>
+            <a:spLocks noGrp="1"/>
+          </p:cNvSpPr>
+          <p:nvPr>
+            <p:ph type="sldNum" sz="quarter" idx="12"/>
+          </p:nvPr>
+        </p:nvSpPr>
         <p:spPr/>
         <p:txBody>
-          <a:bodyPr/>
-          <a:lstStyle/>
-          <a:p>
-            <a:r>
-              <a:rPr lang="ru-RU" dirty="0"/>
-              <a:t>Стоимость до и после оптимизации</a:t>
-            </a:r>
-          </a:p>
-        </p:txBody>
-      </p:sp>
-      <p:sp>
-        <p:nvSpPr>
-          <p:cNvPr id="4" name="Номер слайда 3">
-            <a:extLst>
-              <a:ext uri="{FF2B5EF4-FFF2-40B4-BE49-F238E27FC236}">
-                <a16:creationId xmlns:a16="http://schemas.microsoft.com/office/drawing/2014/main" id="{1B1B77D1-AC4A-D20B-7257-405A39502D09}"/>
-              </a:ext>
-            </a:extLst>
-          </p:cNvPr>
-          <p:cNvSpPr>
-            <a:spLocks noGrp="1"/>
-          </p:cNvSpPr>
-          <p:nvPr>
-            <p:ph type="sldNum" sz="quarter" idx="12"/>
-          </p:nvPr>
-        </p:nvSpPr>
-        <p:spPr/>
-        <p:txBody>
-          <a:bodyPr/>
+          <a:bodyPr vert="horz" lIns="91440" tIns="45720" rIns="91440" bIns="45720" rtlCol="0" anchor="ctr"/>
           <a:lstStyle/>
           <a:p>
             <a:fld id="{E44E20FB-DC41-4FB4-820E-A7F1077F5D74}" type="slidenum">
-              <a:rPr lang="ru-RU" smtClean="0"/>
+              <a:rPr lang="ru-RU" sz="1600" b="1"/>
+              <a:pPr/>
               <a:t>12</a:t>
             </a:fld>
-            <a:endParaRPr lang="ru-RU"/>
+            <a:endParaRPr lang="ru-RU" sz="1600" b="1" dirty="0"/>
           </a:p>
         </p:txBody>
       </p:sp>
       <p:pic>
         <p:nvPicPr>
-          <p:cNvPr id="9" name="Рисунок 8">
+          <p:cNvPr id="5" name="Рисунок 4">
             <a:extLst>
               <a:ext uri="{FF2B5EF4-FFF2-40B4-BE49-F238E27FC236}">
-                <a16:creationId xmlns:a16="http://schemas.microsoft.com/office/drawing/2014/main" id="{FF5DD074-8E21-7E4C-6DB8-A396A0044567}"/>
+                <a16:creationId xmlns:a16="http://schemas.microsoft.com/office/drawing/2014/main" id="{ED07E4B4-DBD0-8F2A-CA78-76A3ABE8A3AD}"/>
+              </a:ext>
+            </a:extLst>
+          </p:cNvPr>
+          <p:cNvPicPr>
+            <a:picLocks noChangeAspect="1"/>
+          </p:cNvPicPr>
+          <p:nvPr/>
+        </p:nvPicPr>
+        <p:blipFill rotWithShape="1">
+          <a:blip r:embed="rId2">
+            <a:extLst>
+              <a:ext uri="{BEBA8EAE-BF5A-486C-A8C5-ECC9F3942E4B}">
+                <a14:imgProps xmlns:a14="http://schemas.microsoft.com/office/drawing/2010/main">
+                  <a14:imgLayer r:embed="rId3">
+                    <a14:imgEffect>
+                      <a14:sharpenSoften amount="50000"/>
+                    </a14:imgEffect>
+                  </a14:imgLayer>
+                </a14:imgProps>
+              </a:ext>
+              <a:ext uri="{28A0092B-C50C-407E-A947-70E740481C1C}">
+                <a14:useLocalDpi xmlns:a14="http://schemas.microsoft.com/office/drawing/2010/main" val="0"/>
+              </a:ext>
+            </a:extLst>
+          </a:blip>
+          <a:srcRect t="15569" b="10767"/>
+          <a:stretch/>
+        </p:blipFill>
+        <p:spPr>
+          <a:xfrm>
+            <a:off x="838201" y="4779871"/>
+            <a:ext cx="6896100" cy="2039488"/>
+          </a:xfrm>
+          <a:prstGeom prst="rect">
+            <a:avLst/>
+          </a:prstGeom>
+        </p:spPr>
+      </p:pic>
+      <p:pic>
+        <p:nvPicPr>
+          <p:cNvPr id="16" name="Рисунок 15">
+            <a:extLst>
+              <a:ext uri="{FF2B5EF4-FFF2-40B4-BE49-F238E27FC236}">
+                <a16:creationId xmlns:a16="http://schemas.microsoft.com/office/drawing/2014/main" id="{FEC3DE25-7966-6D1E-16C5-38B118F0C6FD}"/>
               </a:ext>
             </a:extLst>
           </p:cNvPr>
@@ -4360,13 +4153,19 @@
           <p:nvPr/>
         </p:nvPicPr>
         <p:blipFill>
-          <a:blip r:embed="rId2">
-            <a:extLst>
+          <a:blip r:embed="rId4">
+            <a:extLst>
+              <a:ext uri="{BEBA8EAE-BF5A-486C-A8C5-ECC9F3942E4B}">
+                <a14:imgProps xmlns:a14="http://schemas.microsoft.com/office/drawing/2010/main">
+                  <a14:imgLayer r:embed="rId5">
+                    <a14:imgEffect>
+                      <a14:sharpenSoften amount="25000"/>
+                    </a14:imgEffect>
+                  </a14:imgLayer>
+                </a14:imgProps>
+              </a:ext>
               <a:ext uri="{28A0092B-C50C-407E-A947-70E740481C1C}">
                 <a14:useLocalDpi xmlns:a14="http://schemas.microsoft.com/office/drawing/2010/main" val="0"/>
-              </a:ext>
-              <a:ext uri="{96DAC541-7B7A-43D3-8B79-37D633B846F1}">
-                <asvg:svgBlip xmlns:asvg="http://schemas.microsoft.com/office/drawing/2016/SVG/main" r:embed="rId3"/>
               </a:ext>
             </a:extLst>
           </a:blip>
@@ -4376,8 +4175,38 @@
         </p:blipFill>
         <p:spPr>
           <a:xfrm>
-            <a:off x="1624600" y="1690688"/>
-            <a:ext cx="9220120" cy="4486275"/>
+            <a:off x="7801204" y="1281046"/>
+            <a:ext cx="4361991" cy="4449193"/>
+          </a:xfrm>
+          <a:prstGeom prst="rect">
+            <a:avLst/>
+          </a:prstGeom>
+        </p:spPr>
+      </p:pic>
+      <p:pic>
+        <p:nvPicPr>
+          <p:cNvPr id="11" name="Рисунок 10">
+            <a:extLst>
+              <a:ext uri="{FF2B5EF4-FFF2-40B4-BE49-F238E27FC236}">
+                <a16:creationId xmlns:a16="http://schemas.microsoft.com/office/drawing/2014/main" id="{74CFE917-8F37-A986-54BC-829C0A1DDDC7}"/>
+              </a:ext>
+            </a:extLst>
+          </p:cNvPr>
+          <p:cNvPicPr>
+            <a:picLocks noChangeAspect="1"/>
+          </p:cNvPicPr>
+          <p:nvPr/>
+        </p:nvPicPr>
+        <p:blipFill>
+          <a:blip r:embed="rId6"/>
+          <a:stretch>
+            <a:fillRect/>
+          </a:stretch>
+        </p:blipFill>
+        <p:spPr>
+          <a:xfrm>
+            <a:off x="838200" y="1281047"/>
+            <a:ext cx="6350000" cy="3372256"/>
           </a:xfrm>
           <a:prstGeom prst="rect">
             <a:avLst/>
@@ -4387,7 +4216,7 @@
     </p:spTree>
     <p:extLst>
       <p:ext uri="{BB962C8B-B14F-4D97-AF65-F5344CB8AC3E}">
-        <p14:creationId xmlns:p14="http://schemas.microsoft.com/office/powerpoint/2010/main" val="2719231125"/>
+        <p14:creationId xmlns:p14="http://schemas.microsoft.com/office/powerpoint/2010/main" val="3334540345"/>
       </p:ext>
     </p:extLst>
   </p:cSld>
@@ -4419,7 +4248,7 @@
           <p:cNvPr id="2" name="Заголовок 1">
             <a:extLst>
               <a:ext uri="{FF2B5EF4-FFF2-40B4-BE49-F238E27FC236}">
-                <a16:creationId xmlns:a16="http://schemas.microsoft.com/office/drawing/2014/main" id="{77E05D5E-F340-13C9-216E-567CBB032C7A}"/>
+                <a16:creationId xmlns:a16="http://schemas.microsoft.com/office/drawing/2014/main" id="{C8E1BD63-9C3A-4C6C-7C33-FE7E7A04C370}"/>
               </a:ext>
             </a:extLst>
           </p:cNvPr>
@@ -4437,26 +4266,53 @@
           <a:p>
             <a:r>
               <a:rPr lang="ru-RU" dirty="0"/>
-              <a:t>Временные ограничения программы</a:t>
-            </a:r>
+              <a:t>Результаты экспериментальной проверки работы метода</a:t>
+            </a:r>
+          </a:p>
+        </p:txBody>
+      </p:sp>
+      <p:sp>
+        <p:nvSpPr>
+          <p:cNvPr id="4" name="Номер слайда 3">
+            <a:extLst>
+              <a:ext uri="{FF2B5EF4-FFF2-40B4-BE49-F238E27FC236}">
+                <a16:creationId xmlns:a16="http://schemas.microsoft.com/office/drawing/2014/main" id="{1B1B77D1-AC4A-D20B-7257-405A39502D09}"/>
+              </a:ext>
+            </a:extLst>
+          </p:cNvPr>
+          <p:cNvSpPr>
+            <a:spLocks noGrp="1"/>
+          </p:cNvSpPr>
+          <p:nvPr>
+            <p:ph type="sldNum" sz="quarter" idx="12"/>
+          </p:nvPr>
+        </p:nvSpPr>
+        <p:spPr/>
+        <p:txBody>
+          <a:bodyPr/>
+          <a:lstStyle/>
+          <a:p>
+            <a:fld id="{E44E20FB-DC41-4FB4-820E-A7F1077F5D74}" type="slidenum">
+              <a:rPr lang="ru-RU" sz="1600" b="1"/>
+              <a:t>13</a:t>
+            </a:fld>
+            <a:endParaRPr lang="ru-RU" sz="1600" b="1" dirty="0"/>
           </a:p>
         </p:txBody>
       </p:sp>
       <p:pic>
         <p:nvPicPr>
-          <p:cNvPr id="6" name="Объект 5">
+          <p:cNvPr id="27" name="Объект 14">
             <a:extLst>
               <a:ext uri="{FF2B5EF4-FFF2-40B4-BE49-F238E27FC236}">
-                <a16:creationId xmlns:a16="http://schemas.microsoft.com/office/drawing/2014/main" id="{0B5C43D1-A85F-4BFB-6D2F-B1B5AD269CB4}"/>
+                <a16:creationId xmlns:a16="http://schemas.microsoft.com/office/drawing/2014/main" id="{F715FBD4-F535-E4D7-4B9D-15E6BAFBF1FC}"/>
               </a:ext>
             </a:extLst>
           </p:cNvPr>
           <p:cNvPicPr>
-            <a:picLocks noGrp="1" noChangeAspect="1"/>
+            <a:picLocks noChangeAspect="1"/>
           </p:cNvPicPr>
-          <p:nvPr>
-            <p:ph idx="1"/>
-          </p:nvPr>
+          <p:nvPr/>
         </p:nvPicPr>
         <p:blipFill>
           <a:blip r:embed="rId2">
@@ -4469,50 +4325,61 @@
               </a:ext>
             </a:extLst>
           </a:blip>
-          <a:stretch>
-            <a:fillRect/>
-          </a:stretch>
+          <a:srcRect/>
+          <a:stretch/>
         </p:blipFill>
         <p:spPr>
           <a:xfrm>
-            <a:off x="1624600" y="1825625"/>
-            <a:ext cx="8942800" cy="4351338"/>
+            <a:off x="6096000" y="1686178"/>
+            <a:ext cx="5703771" cy="4670172"/>
           </a:xfrm>
+          <a:prstGeom prst="rect">
+            <a:avLst/>
+          </a:prstGeom>
         </p:spPr>
       </p:pic>
-      <p:sp>
-        <p:nvSpPr>
-          <p:cNvPr id="4" name="Номер слайда 3">
+      <p:pic>
+        <p:nvPicPr>
+          <p:cNvPr id="36" name="Рисунок 35">
             <a:extLst>
               <a:ext uri="{FF2B5EF4-FFF2-40B4-BE49-F238E27FC236}">
-                <a16:creationId xmlns:a16="http://schemas.microsoft.com/office/drawing/2014/main" id="{1BF85665-8A31-48D2-8272-03528A65B7B4}"/>
+                <a16:creationId xmlns:a16="http://schemas.microsoft.com/office/drawing/2014/main" id="{32FFCA63-9A10-BF14-E5B5-F58F9537CAD2}"/>
               </a:ext>
             </a:extLst>
           </p:cNvPr>
-          <p:cNvSpPr>
-            <a:spLocks noGrp="1"/>
-          </p:cNvSpPr>
-          <p:nvPr>
-            <p:ph type="sldNum" sz="quarter" idx="12"/>
-          </p:nvPr>
-        </p:nvSpPr>
-        <p:spPr/>
-        <p:txBody>
-          <a:bodyPr/>
-          <a:lstStyle/>
-          <a:p>
-            <a:fld id="{E44E20FB-DC41-4FB4-820E-A7F1077F5D74}" type="slidenum">
-              <a:rPr lang="ru-RU" smtClean="0"/>
-              <a:t>13</a:t>
-            </a:fld>
-            <a:endParaRPr lang="ru-RU"/>
-          </a:p>
-        </p:txBody>
-      </p:sp>
+          <p:cNvPicPr>
+            <a:picLocks noChangeAspect="1"/>
+          </p:cNvPicPr>
+          <p:nvPr/>
+        </p:nvPicPr>
+        <p:blipFill>
+          <a:blip r:embed="rId4">
+            <a:extLst>
+              <a:ext uri="{28A0092B-C50C-407E-A947-70E740481C1C}">
+                <a14:useLocalDpi xmlns:a14="http://schemas.microsoft.com/office/drawing/2010/main" val="0"/>
+              </a:ext>
+              <a:ext uri="{96DAC541-7B7A-43D3-8B79-37D633B846F1}">
+                <asvg:svgBlip xmlns:asvg="http://schemas.microsoft.com/office/drawing/2016/SVG/main" r:embed="rId5"/>
+              </a:ext>
+            </a:extLst>
+          </a:blip>
+          <a:srcRect/>
+          <a:stretch/>
+        </p:blipFill>
+        <p:spPr>
+          <a:xfrm>
+            <a:off x="280563" y="1691464"/>
+            <a:ext cx="5703771" cy="4670172"/>
+          </a:xfrm>
+          <a:prstGeom prst="rect">
+            <a:avLst/>
+          </a:prstGeom>
+        </p:spPr>
+      </p:pic>
     </p:spTree>
     <p:extLst>
       <p:ext uri="{BB962C8B-B14F-4D97-AF65-F5344CB8AC3E}">
-        <p14:creationId xmlns:p14="http://schemas.microsoft.com/office/powerpoint/2010/main" val="3522274239"/>
+        <p14:creationId xmlns:p14="http://schemas.microsoft.com/office/powerpoint/2010/main" val="2719231125"/>
       </p:ext>
     </p:extLst>
   </p:cSld>
@@ -4583,10 +4450,15 @@
             <p:ph idx="1"/>
           </p:nvPr>
         </p:nvSpPr>
-        <p:spPr/>
+        <p:spPr>
+          <a:xfrm>
+            <a:off x="838200" y="1825624"/>
+            <a:ext cx="10515600" cy="4530725"/>
+          </a:xfrm>
+        </p:spPr>
         <p:txBody>
           <a:bodyPr>
-            <a:normAutofit fontScale="92500" lnSpcReduction="10000"/>
+            <a:normAutofit fontScale="92500" lnSpcReduction="20000"/>
           </a:bodyPr>
           <a:lstStyle/>
           <a:p>
@@ -4607,7 +4479,7 @@
             </a:r>
             <a:r>
               <a:rPr lang="ru-RU" sz="3000" dirty="0"/>
-              <a:t>разработан собственный метод для оптимизации доставки товаров</a:t>
+              <a:t>разработан метод оптимизации планирования грузоперевозок в транспортной системе</a:t>
             </a:r>
             <a:r>
               <a:rPr lang="en-US" sz="3000" dirty="0"/>
@@ -4619,12 +4491,8 @@
               <a:buNone/>
             </a:pPr>
             <a:r>
-              <a:rPr lang="en-US" sz="3000" dirty="0"/>
-              <a:t>	</a:t>
-            </a:r>
-            <a:r>
               <a:rPr lang="ru-RU" sz="3000" dirty="0"/>
-              <a:t>Были решены следующие задачи</a:t>
+              <a:t>	Решены следующие задачи</a:t>
             </a:r>
             <a:r>
               <a:rPr lang="en-US" sz="3000" dirty="0"/>
@@ -4634,37 +4502,44 @@
           <a:p>
             <a:pPr lvl="1"/>
             <a:r>
-              <a:rPr lang="ru-RU" sz="2600" dirty="0"/>
-              <a:t>проанализирована предметная область, проведён сравнительный анализ с известными решениями, выявлены основные особенности;</a:t>
+              <a:rPr lang="ru-RU" sz="2800" dirty="0"/>
+              <a:t>проведён анализ предметной области;</a:t>
             </a:r>
           </a:p>
           <a:p>
             <a:pPr lvl="1"/>
             <a:r>
-              <a:rPr lang="ru-RU" sz="2600" dirty="0"/>
-              <a:t>установлены цели создания метода, его критерий оптимизации, допущения и ограничения;</a:t>
-            </a:r>
+              <a:rPr lang="ru-RU" sz="2800" dirty="0"/>
+              <a:t>с использованием математической модели формализована постановка задачи, определён критерий оценки оптимальности решений</a:t>
+            </a:r>
+            <a:r>
+              <a:rPr lang="en-US" sz="2800" dirty="0"/>
+              <a:t>;</a:t>
+            </a:r>
+            <a:endParaRPr lang="ru-RU" sz="2800" dirty="0"/>
           </a:p>
           <a:p>
             <a:pPr lvl="1"/>
             <a:r>
-              <a:rPr lang="ru-RU" sz="2600" dirty="0"/>
-              <a:t>описана математическая модель в рамках формализации задачи;</a:t>
-            </a:r>
+              <a:rPr lang="ru-RU" sz="2800" dirty="0"/>
+              <a:t>при разработке метода использованы существующие методы решения транспортных задач;</a:t>
+            </a:r>
+            <a:endParaRPr lang="en-US" sz="2800" dirty="0"/>
           </a:p>
           <a:p>
             <a:pPr lvl="1"/>
             <a:r>
-              <a:rPr lang="ru-RU" sz="2600" dirty="0"/>
-              <a:t>выделен, описан и реализован метод оптимизации грузоперевозок в транспортной системе;</a:t>
+              <a:rPr lang="ru-RU" sz="2800" dirty="0"/>
+              <a:t>разработан и реализован метод;</a:t>
             </a:r>
           </a:p>
           <a:p>
             <a:pPr lvl="1"/>
             <a:r>
-              <a:rPr lang="ru-RU" sz="2600" dirty="0"/>
-              <a:t>проведено исследование алгоритма, работоспособности программы и её ограничений.</a:t>
-            </a:r>
+              <a:rPr lang="ru-RU" sz="2800" dirty="0"/>
+              <a:t>проведена экспериментальная проверка работы реализованного метода.</a:t>
+            </a:r>
+            <a:endParaRPr lang="ru-RU" sz="2600" dirty="0"/>
           </a:p>
         </p:txBody>
       </p:sp>
@@ -4690,10 +4565,10 @@
           <a:lstStyle/>
           <a:p>
             <a:fld id="{E44E20FB-DC41-4FB4-820E-A7F1077F5D74}" type="slidenum">
-              <a:rPr lang="ru-RU" smtClean="0"/>
+              <a:rPr lang="ru-RU" sz="1600" b="1"/>
               <a:t>14</a:t>
             </a:fld>
-            <a:endParaRPr lang="ru-RU"/>
+            <a:endParaRPr lang="ru-RU" sz="1600" b="1" dirty="0"/>
           </a:p>
         </p:txBody>
       </p:sp>
@@ -4787,7 +4662,7 @@
         </p:spPr>
         <p:txBody>
           <a:bodyPr>
-            <a:normAutofit lnSpcReduction="10000"/>
+            <a:normAutofit/>
           </a:bodyPr>
           <a:lstStyle/>
           <a:p>
@@ -4796,11 +4671,19 @@
             </a:pPr>
             <a:r>
               <a:rPr lang="ru-RU" b="1" dirty="0"/>
-              <a:t>Целью</a:t>
+              <a:t>Цель</a:t>
             </a:r>
             <a:r>
               <a:rPr lang="ru-RU" dirty="0"/>
-              <a:t> данной работы является разработка метода оптимизации планирования грузоперевозок в транспортной системе.</a:t>
+              <a:t> данной работы</a:t>
+            </a:r>
+            <a:r>
+              <a:rPr lang="en-US" dirty="0"/>
+              <a:t>:</a:t>
+            </a:r>
+            <a:r>
+              <a:rPr lang="ru-RU" dirty="0"/>
+              <a:t> разработка метода оптимизации планирования грузоперевозок в транспортной системе.</a:t>
             </a:r>
             <a:endParaRPr lang="en-US" dirty="0"/>
           </a:p>
@@ -4833,7 +4716,19 @@
             <a:pPr lvl="1"/>
             <a:r>
               <a:rPr lang="ru-RU" dirty="0"/>
-              <a:t>выбрать базовый метод оптимизации и определить направления его модификации;</a:t>
+              <a:t>формализовать постановку задачи с использованием математической модели</a:t>
+            </a:r>
+            <a:r>
+              <a:rPr lang="en-US" dirty="0"/>
+              <a:t>;</a:t>
+            </a:r>
+            <a:endParaRPr lang="ru-RU" dirty="0"/>
+          </a:p>
+          <a:p>
+            <a:pPr lvl="1"/>
+            <a:r>
+              <a:rPr lang="ru-RU" dirty="0"/>
+              <a:t>изучить существующие методы решения транспортных задач для использования при разработке метода;</a:t>
             </a:r>
             <a:endParaRPr lang="en-US" dirty="0"/>
           </a:p>
@@ -4841,29 +4736,14 @@
             <a:pPr lvl="1"/>
             <a:r>
               <a:rPr lang="ru-RU" dirty="0"/>
-              <a:t>формализовать задание, определить необходимый функционал программы; </a:t>
+              <a:t>разработать и реализовать метод;</a:t>
             </a:r>
           </a:p>
           <a:p>
             <a:pPr lvl="1"/>
             <a:r>
               <a:rPr lang="ru-RU" dirty="0"/>
-              <a:t>определить набор необходимых данных и способ их хранения;</a:t>
-            </a:r>
-            <a:endParaRPr lang="en-US" dirty="0"/>
-          </a:p>
-          <a:p>
-            <a:pPr lvl="1"/>
-            <a:r>
-              <a:rPr lang="ru-RU" dirty="0"/>
-              <a:t>разработать программу и протестировать её;</a:t>
-            </a:r>
-          </a:p>
-          <a:p>
-            <a:pPr lvl="1"/>
-            <a:r>
-              <a:rPr lang="ru-RU" dirty="0"/>
-              <a:t>провести экспериментальную проверку качества работы реализованного метода.</a:t>
+              <a:t>провести экспериментальную проверку работы реализованного метода.</a:t>
             </a:r>
           </a:p>
         </p:txBody>
@@ -4890,10 +4770,10 @@
           <a:lstStyle/>
           <a:p>
             <a:fld id="{E44E20FB-DC41-4FB4-820E-A7F1077F5D74}" type="slidenum">
-              <a:rPr lang="ru-RU" smtClean="0"/>
+              <a:rPr lang="ru-RU" sz="1600" b="1" smtClean="0"/>
               <a:t>2</a:t>
             </a:fld>
-            <a:endParaRPr lang="ru-RU"/>
+            <a:endParaRPr lang="ru-RU" sz="1600" b="1" dirty="0"/>
           </a:p>
         </p:txBody>
       </p:sp>
@@ -5010,11 +4890,11 @@
             </a:r>
             <a:r>
               <a:rPr lang="en-US" dirty="0"/>
-              <a:t>– </a:t>
+              <a:t>(supply chain management) – </a:t>
             </a:r>
             <a:r>
               <a:rPr lang="ru-RU" dirty="0"/>
-              <a:t>комплекс подходов, помогающий эффективной интеграции поставщиков, производителей, дистрибьюторов и продавцов.</a:t>
+              <a:t>комплекс подходов, помогающий эффективной интеграции частей цепочки поставок.</a:t>
             </a:r>
           </a:p>
           <a:p>
@@ -5028,7 +4908,7 @@
             </a:r>
             <a:r>
               <a:rPr lang="ru-RU" dirty="0"/>
-              <a:t> система управления транспортом</a:t>
+              <a:t> система управления транспортом.</a:t>
             </a:r>
           </a:p>
         </p:txBody>
@@ -5055,10 +4935,10 @@
           <a:lstStyle/>
           <a:p>
             <a:fld id="{E44E20FB-DC41-4FB4-820E-A7F1077F5D74}" type="slidenum">
-              <a:rPr lang="ru-RU" smtClean="0"/>
+              <a:rPr lang="ru-RU" sz="1600" b="1" smtClean="0"/>
               <a:t>3</a:t>
             </a:fld>
-            <a:endParaRPr lang="ru-RU"/>
+            <a:endParaRPr lang="ru-RU" sz="1600" b="1" dirty="0"/>
           </a:p>
         </p:txBody>
       </p:sp>
@@ -5120,7 +5000,7 @@
           <a:p>
             <a:r>
               <a:rPr lang="ru-RU" dirty="0"/>
-              <a:t>Анализ существующих программных решений</a:t>
+              <a:t>Сравнение существующих программных решений</a:t>
             </a:r>
           </a:p>
         </p:txBody>
@@ -5141,14 +5021,14 @@
             <p:ph idx="1"/>
             <p:extLst>
               <p:ext uri="{D42A27DB-BD31-4B8C-83A1-F6EECF244321}">
-                <p14:modId xmlns:p14="http://schemas.microsoft.com/office/powerpoint/2010/main" val="1947083651"/>
+                <p14:modId xmlns:p14="http://schemas.microsoft.com/office/powerpoint/2010/main" val="3701629514"/>
               </p:ext>
             </p:extLst>
           </p:nvPr>
         </p:nvGraphicFramePr>
         <p:xfrm>
-          <a:off x="838200" y="1690687"/>
-          <a:ext cx="9819639" cy="4546667"/>
+          <a:off x="838200" y="1859280"/>
+          <a:ext cx="11140440" cy="4414041"/>
         </p:xfrm>
         <a:graphic>
           <a:graphicData uri="http://schemas.openxmlformats.org/drawingml/2006/table">
@@ -5157,28 +5037,28 @@
                 <a:tableStyleId>{073A0DAA-6AF3-43AB-8588-CEC1D06C72B9}</a:tableStyleId>
               </a:tblPr>
               <a:tblGrid>
-                <a:gridCol w="3225907">
+                <a:gridCol w="3530600">
                   <a:extLst>
                     <a:ext uri="{9D8B030D-6E8A-4147-A177-3AD203B41FA5}">
                       <a16:colId xmlns:a16="http://schemas.microsoft.com/office/drawing/2014/main" val="181861236"/>
                     </a:ext>
                   </a:extLst>
                 </a:gridCol>
-                <a:gridCol w="2423524">
+                <a:gridCol w="2878714">
                   <a:extLst>
                     <a:ext uri="{9D8B030D-6E8A-4147-A177-3AD203B41FA5}">
                       <a16:colId xmlns:a16="http://schemas.microsoft.com/office/drawing/2014/main" val="758202606"/>
                     </a:ext>
                   </a:extLst>
                 </a:gridCol>
-                <a:gridCol w="1997770">
+                <a:gridCol w="2266482">
                   <a:extLst>
                     <a:ext uri="{9D8B030D-6E8A-4147-A177-3AD203B41FA5}">
                       <a16:colId xmlns:a16="http://schemas.microsoft.com/office/drawing/2014/main" val="3064534097"/>
                     </a:ext>
                   </a:extLst>
                 </a:gridCol>
-                <a:gridCol w="2172438">
+                <a:gridCol w="2464644">
                   <a:extLst>
                     <a:ext uri="{9D8B030D-6E8A-4147-A177-3AD203B41FA5}">
                       <a16:colId xmlns:a16="http://schemas.microsoft.com/office/drawing/2014/main" val="3337284535"/>
@@ -5186,7 +5066,7 @@
                   </a:extLst>
                 </a:gridCol>
               </a:tblGrid>
-              <a:tr h="687757">
+              <a:tr h="662255">
                 <a:tc>
                   <a:txBody>
                     <a:bodyPr/>
@@ -5270,7 +5150,7 @@
                   </a:ext>
                 </a:extLst>
               </a:tr>
-              <a:tr h="958800">
+              <a:tr h="923247">
                 <a:tc>
                   <a:txBody>
                     <a:bodyPr/>
@@ -5353,7 +5233,7 @@
                   </a:ext>
                 </a:extLst>
               </a:tr>
-              <a:tr h="958800">
+              <a:tr h="923247">
                 <a:tc>
                   <a:txBody>
                     <a:bodyPr/>
@@ -5436,7 +5316,7 @@
                   </a:ext>
                 </a:extLst>
               </a:tr>
-              <a:tr h="982510">
+              <a:tr h="946078">
                 <a:tc>
                   <a:txBody>
                     <a:bodyPr/>
@@ -5519,7 +5399,7 @@
                   </a:ext>
                 </a:extLst>
               </a:tr>
-              <a:tr h="958800">
+              <a:tr h="923247">
                 <a:tc>
                   <a:txBody>
                     <a:bodyPr/>
@@ -5624,14 +5504,15 @@
         </p:nvSpPr>
         <p:spPr/>
         <p:txBody>
-          <a:bodyPr/>
+          <a:bodyPr vert="horz" lIns="91440" tIns="45720" rIns="91440" bIns="45720" rtlCol="0" anchor="ctr"/>
           <a:lstStyle/>
           <a:p>
             <a:fld id="{E44E20FB-DC41-4FB4-820E-A7F1077F5D74}" type="slidenum">
-              <a:rPr lang="ru-RU" smtClean="0"/>
+              <a:rPr lang="ru-RU" sz="1600" b="1"/>
+              <a:pPr/>
               <a:t>4</a:t>
             </a:fld>
-            <a:endParaRPr lang="ru-RU"/>
+            <a:endParaRPr lang="ru-RU" sz="1600" b="1" dirty="0"/>
           </a:p>
         </p:txBody>
       </p:sp>
@@ -5688,129 +5569,313 @@
           <a:p>
             <a:r>
               <a:rPr lang="ru-RU" dirty="0"/>
-              <a:t>Математическая постановка задачи</a:t>
-            </a:r>
-          </a:p>
-        </p:txBody>
-      </p:sp>
-      <p:sp>
-        <p:nvSpPr>
-          <p:cNvPr id="3" name="Объект 2">
-            <a:extLst>
-              <a:ext uri="{FF2B5EF4-FFF2-40B4-BE49-F238E27FC236}">
-                <a16:creationId xmlns:a16="http://schemas.microsoft.com/office/drawing/2014/main" id="{13E6B1EB-D9AE-EC94-48D3-1459C1D2E683}"/>
-              </a:ext>
-            </a:extLst>
-          </p:cNvPr>
-          <p:cNvSpPr>
-            <a:spLocks noGrp="1"/>
-          </p:cNvSpPr>
-          <p:nvPr>
-            <p:ph idx="1"/>
-          </p:nvPr>
-        </p:nvSpPr>
-        <p:spPr>
-          <a:xfrm>
-            <a:off x="838200" y="2141537"/>
-            <a:ext cx="11291888" cy="4351338"/>
-          </a:xfrm>
-        </p:spPr>
-        <p:txBody>
-          <a:bodyPr/>
-          <a:lstStyle/>
-          <a:p>
+              <a:t>Математическая </a:t>
+            </a:r>
+            <a:br>
+              <a:rPr lang="en-US" dirty="0"/>
+            </a:br>
             <a:r>
               <a:rPr lang="ru-RU" dirty="0"/>
-              <a:t>Представление транспортной системы</a:t>
-            </a:r>
-            <a:r>
-              <a:rPr lang="en-US" dirty="0"/>
-              <a:t>: </a:t>
-            </a:r>
-          </a:p>
-          <a:p>
-            <a:pPr marL="0" indent="0">
-              <a:buNone/>
-            </a:pPr>
-            <a:r>
-              <a:rPr lang="ru-RU" dirty="0"/>
-              <a:t>неориентированный связанный взвешенный граф.</a:t>
-            </a:r>
-          </a:p>
-          <a:p>
-            <a:pPr lvl="1"/>
-            <a:r>
-              <a:rPr lang="ru-RU" dirty="0"/>
-              <a:t>Вершины – пункты маршрута (стоянка, склады, потребители)</a:t>
-            </a:r>
-          </a:p>
-          <a:p>
-            <a:pPr lvl="1"/>
-            <a:r>
-              <a:rPr lang="ru-RU" dirty="0"/>
-              <a:t>Рёбра – дороги, вес – расстояние (в км.)</a:t>
-            </a:r>
-          </a:p>
-          <a:p>
-            <a:r>
-              <a:rPr lang="ru-RU" dirty="0"/>
-              <a:t>Задача</a:t>
-            </a:r>
-            <a:r>
-              <a:rPr lang="en-US" dirty="0"/>
-              <a:t>: </a:t>
-            </a:r>
-            <a:r>
-              <a:rPr lang="ru-RU" dirty="0"/>
-              <a:t>поиск множества циклов, в котором выполняется следующее</a:t>
-            </a:r>
-            <a:r>
-              <a:rPr lang="en-US" dirty="0"/>
-              <a:t>:</a:t>
-            </a:r>
-          </a:p>
-          <a:p>
-            <a:pPr lvl="1"/>
-            <a:r>
-              <a:rPr lang="ru-RU" dirty="0"/>
-              <a:t>‌циклы начинающихся на стоянке</a:t>
-            </a:r>
-            <a:r>
-              <a:rPr lang="en-US" dirty="0"/>
-              <a:t>;</a:t>
-            </a:r>
-          </a:p>
-          <a:p>
-            <a:pPr lvl="1"/>
-            <a:r>
-              <a:rPr lang="ru-RU" dirty="0"/>
-              <a:t>каждый цикл выполняет перевозку груза из склада потребителям</a:t>
-            </a:r>
-            <a:r>
-              <a:rPr lang="en-US" dirty="0"/>
-              <a:t>;</a:t>
-            </a:r>
-          </a:p>
-          <a:p>
-            <a:pPr lvl="1"/>
-            <a:r>
-              <a:rPr lang="ru-RU" dirty="0"/>
-              <a:t>соблюдаются ограничения модели</a:t>
-            </a:r>
-            <a:r>
-              <a:rPr lang="en-US" dirty="0"/>
-              <a:t>;</a:t>
-            </a:r>
-          </a:p>
-          <a:p>
-            <a:pPr lvl="1"/>
-            <a:r>
-              <a:rPr lang="ru-RU" dirty="0"/>
-              <a:t>функция оптимума минимальна.</a:t>
-            </a:r>
-          </a:p>
-        </p:txBody>
-      </p:sp>
+              <a:t>постановка задачи</a:t>
+            </a:r>
+          </a:p>
+        </p:txBody>
+      </p:sp>
+      <mc:AlternateContent xmlns:mc="http://schemas.openxmlformats.org/markup-compatibility/2006">
+        <mc:Choice xmlns:a14="http://schemas.microsoft.com/office/drawing/2010/main" Requires="a14">
+          <p:sp>
+            <p:nvSpPr>
+              <p:cNvPr id="3" name="Объект 2">
+                <a:extLst>
+                  <a:ext uri="{FF2B5EF4-FFF2-40B4-BE49-F238E27FC236}">
+                    <a16:creationId xmlns:a16="http://schemas.microsoft.com/office/drawing/2014/main" id="{13E6B1EB-D9AE-EC94-48D3-1459C1D2E683}"/>
+                  </a:ext>
+                </a:extLst>
+              </p:cNvPr>
+              <p:cNvSpPr>
+                <a:spLocks noGrp="1"/>
+              </p:cNvSpPr>
+              <p:nvPr>
+                <p:ph idx="1"/>
+              </p:nvPr>
+            </p:nvSpPr>
+            <p:spPr>
+              <a:xfrm>
+                <a:off x="838200" y="2141537"/>
+                <a:ext cx="11291888" cy="4351338"/>
+              </a:xfrm>
+            </p:spPr>
+            <p:txBody>
+              <a:bodyPr>
+                <a:normAutofit fontScale="85000" lnSpcReduction="20000"/>
+              </a:bodyPr>
+              <a:lstStyle/>
+              <a:p>
+                <a:pPr marL="0" indent="0">
+                  <a:buNone/>
+                </a:pPr>
+                <a:r>
+                  <a:rPr lang="ru-RU" dirty="0"/>
+                  <a:t>Представление транспортной системы</a:t>
+                </a:r>
+                <a:r>
+                  <a:rPr lang="en-US" dirty="0"/>
+                  <a:t>: </a:t>
+                </a:r>
+              </a:p>
+              <a:p>
+                <a:pPr marL="0" indent="0">
+                  <a:buNone/>
+                </a:pPr>
+                <a:r>
+                  <a:rPr lang="ru-RU" dirty="0"/>
+                  <a:t>неориентированный связанный взвешенный граф</a:t>
+                </a:r>
+                <a:r>
+                  <a:rPr lang="en-US" dirty="0"/>
+                  <a:t> </a:t>
+                </a:r>
+                <a14:m>
+                  <m:oMath xmlns:m="http://schemas.openxmlformats.org/officeDocument/2006/math">
+                    <m:r>
+                      <a:rPr lang="en-US" b="0" i="1" smtClean="0">
+                        <a:latin typeface="Cambria Math" panose="02040503050406030204" pitchFamily="18" charset="0"/>
+                      </a:rPr>
+                      <m:t>𝐺</m:t>
+                    </m:r>
+                    <m:r>
+                      <a:rPr lang="en-US" b="0" i="1" smtClean="0">
+                        <a:latin typeface="Cambria Math" panose="02040503050406030204" pitchFamily="18" charset="0"/>
+                      </a:rPr>
+                      <m:t>=(</m:t>
+                    </m:r>
+                    <m:r>
+                      <a:rPr lang="en-US" b="0" i="1" smtClean="0">
+                        <a:latin typeface="Cambria Math" panose="02040503050406030204" pitchFamily="18" charset="0"/>
+                      </a:rPr>
+                      <m:t>𝑃</m:t>
+                    </m:r>
+                    <m:r>
+                      <a:rPr lang="en-US" b="0" i="1" smtClean="0">
+                        <a:latin typeface="Cambria Math" panose="02040503050406030204" pitchFamily="18" charset="0"/>
+                      </a:rPr>
+                      <m:t>, </m:t>
+                    </m:r>
+                    <m:r>
+                      <a:rPr lang="en-US" b="0" i="1" smtClean="0">
+                        <a:latin typeface="Cambria Math" panose="02040503050406030204" pitchFamily="18" charset="0"/>
+                      </a:rPr>
+                      <m:t>𝑑</m:t>
+                    </m:r>
+                    <m:r>
+                      <a:rPr lang="en-US" b="0" i="1" smtClean="0">
+                        <a:latin typeface="Cambria Math" panose="02040503050406030204" pitchFamily="18" charset="0"/>
+                      </a:rPr>
+                      <m:t>)</m:t>
+                    </m:r>
+                  </m:oMath>
+                </a14:m>
+                <a:r>
+                  <a:rPr lang="ru-RU" dirty="0"/>
+                  <a:t>.</a:t>
+                </a:r>
+              </a:p>
+              <a:p>
+                <a:pPr lvl="1"/>
+                <a:r>
+                  <a:rPr lang="ru-RU" sz="2600" dirty="0"/>
+                  <a:t>Вершины – пункты маршрута</a:t>
+                </a:r>
+                <a:r>
+                  <a:rPr lang="en-US" sz="2600" dirty="0"/>
+                  <a:t> </a:t>
+                </a:r>
+                <a14:m>
+                  <m:oMath xmlns:m="http://schemas.openxmlformats.org/officeDocument/2006/math">
+                    <m:r>
+                      <a:rPr lang="en-US" sz="3200" b="0" i="1" smtClean="0">
+                        <a:latin typeface="Cambria Math" panose="02040503050406030204" pitchFamily="18" charset="0"/>
+                      </a:rPr>
+                      <m:t>𝑃</m:t>
+                    </m:r>
+                  </m:oMath>
+                </a14:m>
+                <a:r>
+                  <a:rPr lang="ru-RU" sz="2600" dirty="0"/>
+                  <a:t> (стоянка, склады, потребители)</a:t>
+                </a:r>
+              </a:p>
+              <a:p>
+                <a:pPr lvl="1"/>
+                <a:r>
+                  <a:rPr lang="ru-RU" sz="2600" dirty="0"/>
+                  <a:t>Рёбра – дороги, вес – расстояние</a:t>
+                </a:r>
+                <a:r>
+                  <a:rPr lang="en-US" sz="2600" dirty="0"/>
+                  <a:t> </a:t>
+                </a:r>
+                <a14:m>
+                  <m:oMath xmlns:m="http://schemas.openxmlformats.org/officeDocument/2006/math">
+                    <m:r>
+                      <a:rPr lang="en-US" sz="3200" b="0" i="1" smtClean="0">
+                        <a:latin typeface="Cambria Math" panose="02040503050406030204" pitchFamily="18" charset="0"/>
+                      </a:rPr>
+                      <m:t>𝑑</m:t>
+                    </m:r>
+                  </m:oMath>
+                </a14:m>
+                <a:r>
+                  <a:rPr lang="ru-RU" sz="2600" dirty="0"/>
+                  <a:t> (в км)</a:t>
+                </a:r>
+              </a:p>
+              <a:p>
+                <a:pPr marL="457200" lvl="1" indent="0">
+                  <a:buNone/>
+                </a:pPr>
+                <a:endParaRPr lang="ru-RU" sz="2600" dirty="0"/>
+              </a:p>
+              <a:p>
+                <a:pPr marL="0" indent="0">
+                  <a:buNone/>
+                </a:pPr>
+                <a:r>
+                  <a:rPr lang="ru-RU" dirty="0"/>
+                  <a:t>Задача</a:t>
+                </a:r>
+                <a:r>
+                  <a:rPr lang="en-US" dirty="0"/>
+                  <a:t>: </a:t>
+                </a:r>
+                <a:r>
+                  <a:rPr lang="ru-RU" dirty="0"/>
+                  <a:t>поиск множества маршрутов, для которого выполняется следующее</a:t>
+                </a:r>
+                <a:r>
+                  <a:rPr lang="en-US" dirty="0"/>
+                  <a:t>:</a:t>
+                </a:r>
+              </a:p>
+              <a:p>
+                <a:pPr lvl="1"/>
+                <a:r>
+                  <a:rPr lang="ru-RU" sz="2600" dirty="0"/>
+                  <a:t>соблюдаются ограничения модели</a:t>
+                </a:r>
+                <a:r>
+                  <a:rPr lang="en-US" sz="2600" dirty="0"/>
+                  <a:t>;</a:t>
+                </a:r>
+                <a:endParaRPr lang="ru-RU" sz="2600" dirty="0"/>
+              </a:p>
+              <a:p>
+                <a:pPr lvl="1"/>
+                <a:r>
+                  <a:rPr lang="ru-RU" sz="2600" dirty="0"/>
+                  <a:t>минимальная протяжённость маршрутов (критерий оптимизации</a:t>
+                </a:r>
+                <a:r>
+                  <a:rPr lang="en-US" sz="2600" dirty="0"/>
+                  <a:t> L(R)</a:t>
+                </a:r>
+                <a:r>
+                  <a:rPr lang="ru-RU" sz="2600" dirty="0"/>
+                  <a:t>)</a:t>
+                </a:r>
+                <a:endParaRPr lang="en-US" sz="2600" dirty="0"/>
+              </a:p>
+              <a:p>
+                <a:pPr marL="0" indent="0">
+                  <a:buNone/>
+                </a:pPr>
+                <a:endParaRPr lang="en-US" dirty="0"/>
+              </a:p>
+              <a:p>
+                <a:pPr marL="0" indent="0">
+                  <a:buNone/>
+                </a:pPr>
+                <a:endParaRPr lang="en-US" dirty="0"/>
+              </a:p>
+              <a:p>
+                <a:pPr marL="0" indent="0">
+                  <a:buNone/>
+                </a:pPr>
+                <a:endParaRPr lang="ru-RU" sz="2400" dirty="0"/>
+              </a:p>
+              <a:p>
+                <a:pPr marL="0" indent="0">
+                  <a:buNone/>
+                </a:pPr>
+                <a:r>
+                  <a:rPr lang="ru-RU" sz="2400" dirty="0"/>
+                  <a:t>где </a:t>
+                </a:r>
+                <a:r>
+                  <a:rPr lang="en-US" sz="2400" dirty="0"/>
+                  <a:t>R – </a:t>
+                </a:r>
+                <a:r>
+                  <a:rPr lang="ru-RU" sz="2400" dirty="0"/>
+                  <a:t>маршруты, </a:t>
+                </a:r>
+                <a:r>
+                  <a:rPr lang="en-US" sz="2400" dirty="0"/>
+                  <a:t>RP – </a:t>
+                </a:r>
+                <a:r>
+                  <a:rPr lang="ru-RU" sz="2400" dirty="0"/>
+                  <a:t>пункты маршрута.</a:t>
+                </a:r>
+                <a:endParaRPr lang="en-US" sz="2400" dirty="0"/>
+              </a:p>
+            </p:txBody>
+          </p:sp>
+        </mc:Choice>
+        <mc:Fallback>
+          <p:sp>
+            <p:nvSpPr>
+              <p:cNvPr id="3" name="Объект 2">
+                <a:extLst>
+                  <a:ext uri="{FF2B5EF4-FFF2-40B4-BE49-F238E27FC236}">
+                    <a16:creationId xmlns:a16="http://schemas.microsoft.com/office/drawing/2014/main" id="{13E6B1EB-D9AE-EC94-48D3-1459C1D2E683}"/>
+                  </a:ext>
+                </a:extLst>
+              </p:cNvPr>
+              <p:cNvSpPr>
+                <a:spLocks noGrp="1" noRot="1" noChangeAspect="1" noMove="1" noResize="1" noEditPoints="1" noAdjustHandles="1" noChangeArrowheads="1" noChangeShapeType="1" noTextEdit="1"/>
+              </p:cNvSpPr>
+              <p:nvPr>
+                <p:ph idx="1"/>
+              </p:nvPr>
+            </p:nvSpPr>
+            <p:spPr>
+              <a:xfrm>
+                <a:off x="838200" y="2141537"/>
+                <a:ext cx="11291888" cy="4351338"/>
+              </a:xfrm>
+              <a:blipFill>
+                <a:blip r:embed="rId2"/>
+                <a:stretch>
+                  <a:fillRect l="-864" t="-3221"/>
+                </a:stretch>
+              </a:blipFill>
+            </p:spPr>
+            <p:txBody>
+              <a:bodyPr/>
+              <a:lstStyle/>
+              <a:p>
+                <a:r>
+                  <a:rPr lang="ru-RU">
+                    <a:noFill/>
+                  </a:rPr>
+                  <a:t> </a:t>
+                </a:r>
+              </a:p>
+            </p:txBody>
+          </p:sp>
+        </mc:Fallback>
+      </mc:AlternateContent>
       <p:sp>
         <p:nvSpPr>
           <p:cNvPr id="4" name="Номер слайда 3">
@@ -5829,14 +5894,15 @@
         </p:nvSpPr>
         <p:spPr/>
         <p:txBody>
-          <a:bodyPr/>
+          <a:bodyPr vert="horz" lIns="91440" tIns="45720" rIns="91440" bIns="45720" rtlCol="0" anchor="ctr"/>
           <a:lstStyle/>
           <a:p>
             <a:fld id="{E44E20FB-DC41-4FB4-820E-A7F1077F5D74}" type="slidenum">
-              <a:rPr lang="ru-RU" smtClean="0"/>
+              <a:rPr lang="ru-RU" sz="1600" b="1"/>
+              <a:pPr/>
               <a:t>5</a:t>
             </a:fld>
-            <a:endParaRPr lang="ru-RU"/>
+            <a:endParaRPr lang="ru-RU" sz="1600" b="1" dirty="0"/>
           </a:p>
         </p:txBody>
       </p:sp>
@@ -5855,13 +5921,13 @@
           <p:nvPr/>
         </p:nvPicPr>
         <p:blipFill>
-          <a:blip r:embed="rId2">
+          <a:blip r:embed="rId3">
             <a:extLst>
               <a:ext uri="{28A0092B-C50C-407E-A947-70E740481C1C}">
                 <a14:useLocalDpi xmlns:a14="http://schemas.microsoft.com/office/drawing/2010/main" val="0"/>
               </a:ext>
               <a:ext uri="{96DAC541-7B7A-43D3-8B79-37D633B846F1}">
-                <asvg:svgBlip xmlns:asvg="http://schemas.microsoft.com/office/drawing/2016/SVG/main" r:embed="rId3"/>
+                <asvg:svgBlip xmlns:asvg="http://schemas.microsoft.com/office/drawing/2016/SVG/main" r:embed="rId4"/>
               </a:ext>
             </a:extLst>
           </a:blip>
@@ -5871,8 +5937,46 @@
         </p:blipFill>
         <p:spPr>
           <a:xfrm>
-            <a:off x="8219975" y="797691"/>
-            <a:ext cx="3910113" cy="1785994"/>
+            <a:off x="7000241" y="136525"/>
+            <a:ext cx="5129848" cy="2343124"/>
+          </a:xfrm>
+          <a:prstGeom prst="rect">
+            <a:avLst/>
+          </a:prstGeom>
+        </p:spPr>
+      </p:pic>
+      <p:pic>
+        <p:nvPicPr>
+          <p:cNvPr id="6" name="Рисунок 5">
+            <a:extLst>
+              <a:ext uri="{FF2B5EF4-FFF2-40B4-BE49-F238E27FC236}">
+                <a16:creationId xmlns:a16="http://schemas.microsoft.com/office/drawing/2014/main" id="{9D583F61-1C91-7C8A-75AA-63C0D2144552}"/>
+              </a:ext>
+            </a:extLst>
+          </p:cNvPr>
+          <p:cNvPicPr>
+            <a:picLocks noChangeAspect="1"/>
+          </p:cNvPicPr>
+          <p:nvPr/>
+        </p:nvPicPr>
+        <p:blipFill>
+          <a:blip r:embed="rId5">
+            <a:extLst>
+              <a:ext uri="{28A0092B-C50C-407E-A947-70E740481C1C}">
+                <a14:useLocalDpi xmlns:a14="http://schemas.microsoft.com/office/drawing/2010/main" val="0"/>
+              </a:ext>
+              <a:ext uri="{96DAC541-7B7A-43D3-8B79-37D633B846F1}">
+                <asvg:svgBlip xmlns:asvg="http://schemas.microsoft.com/office/drawing/2016/SVG/main" r:embed="rId6"/>
+              </a:ext>
+            </a:extLst>
+          </a:blip>
+          <a:srcRect/>
+          <a:stretch/>
+        </p:blipFill>
+        <p:spPr>
+          <a:xfrm>
+            <a:off x="1307622" y="4950088"/>
+            <a:ext cx="5176522" cy="907343"/>
           </a:xfrm>
           <a:prstGeom prst="rect">
             <a:avLst/>
@@ -5953,71 +6057,21 @@
             <p:ph idx="1"/>
           </p:nvPr>
         </p:nvSpPr>
-        <p:spPr/>
+        <p:spPr>
+          <a:xfrm>
+            <a:off x="838200" y="1825625"/>
+            <a:ext cx="5435600" cy="4667250"/>
+          </a:xfrm>
+        </p:spPr>
         <p:txBody>
           <a:bodyPr>
-            <a:normAutofit lnSpcReduction="10000"/>
+            <a:normAutofit/>
           </a:bodyPr>
           <a:lstStyle/>
           <a:p>
-            <a:r>
-              <a:rPr lang="ru-RU" dirty="0"/>
-              <a:t>Критерий оптимизации – минимальная длительность маршрутов </a:t>
-            </a:r>
-            <a:endParaRPr lang="en-US" dirty="0"/>
-          </a:p>
-          <a:p>
             <a:pPr marL="0" indent="0">
               <a:buNone/>
             </a:pPr>
-            <a:endParaRPr lang="en-US" dirty="0"/>
-          </a:p>
-          <a:p>
-            <a:endParaRPr lang="en-US" dirty="0"/>
-          </a:p>
-          <a:p>
-            <a:pPr marL="0" indent="0">
-              <a:buNone/>
-            </a:pPr>
-            <a:r>
-              <a:rPr lang="ru-RU" dirty="0"/>
-              <a:t>Где </a:t>
-            </a:r>
-            <a:r>
-              <a:rPr lang="en-US" dirty="0"/>
-              <a:t>d – </a:t>
-            </a:r>
-            <a:r>
-              <a:rPr lang="ru-RU" dirty="0"/>
-              <a:t>расстояние между пунктами, </a:t>
-            </a:r>
-            <a:r>
-              <a:rPr lang="en-US" dirty="0"/>
-              <a:t>R – </a:t>
-            </a:r>
-            <a:r>
-              <a:rPr lang="ru-RU" dirty="0"/>
-              <a:t>маршрут, </a:t>
-            </a:r>
-            <a:r>
-              <a:rPr lang="en-US" dirty="0"/>
-              <a:t>RP – </a:t>
-            </a:r>
-            <a:r>
-              <a:rPr lang="ru-RU" dirty="0"/>
-              <a:t>пункты маршрута. </a:t>
-            </a:r>
-            <a:r>
-              <a:rPr lang="en-US" dirty="0"/>
-              <a:t>L – </a:t>
-            </a:r>
-            <a:r>
-              <a:rPr lang="ru-RU" dirty="0"/>
-              <a:t>функция оптимизации.</a:t>
-            </a:r>
-            <a:endParaRPr lang="en-US" dirty="0"/>
-          </a:p>
-          <a:p>
             <a:r>
               <a:rPr lang="ru-RU" dirty="0"/>
               <a:t>Ограничения системы</a:t>
@@ -6027,31 +6081,24 @@
             <a:pPr lvl="1"/>
             <a:r>
               <a:rPr lang="ru-RU" dirty="0"/>
-              <a:t>Вместимость транспорта  </a:t>
+              <a:t>маршруты начинаются и заканчиваются на стоянке</a:t>
+            </a:r>
+            <a:r>
+              <a:rPr lang="en-US" dirty="0"/>
+              <a:t>;</a:t>
             </a:r>
           </a:p>
           <a:p>
             <a:pPr lvl="1"/>
             <a:r>
               <a:rPr lang="ru-RU" dirty="0"/>
-              <a:t>Обязательность выполнения заказов </a:t>
-            </a:r>
-          </a:p>
-          <a:p>
-            <a:pPr marL="457200" lvl="1" indent="0">
-              <a:buNone/>
-            </a:pPr>
-            <a:r>
-              <a:rPr lang="ru-RU" dirty="0"/>
-              <a:t>	с учётом ограниченности складов </a:t>
-            </a:r>
-          </a:p>
-          <a:p>
-            <a:pPr lvl="1"/>
-            <a:r>
-              <a:rPr lang="ru-RU" dirty="0"/>
-              <a:t>Невозможность обратных перевозок</a:t>
-            </a:r>
+              <a:t>каждый маршрут выполняет только одну погрузку на складе</a:t>
+            </a:r>
+            <a:r>
+              <a:rPr lang="en-US" dirty="0"/>
+              <a:t>;</a:t>
+            </a:r>
+            <a:endParaRPr lang="ru-RU" dirty="0"/>
           </a:p>
           <a:p>
             <a:pPr marL="457200" lvl="1" indent="0">
@@ -6059,6 +6106,36 @@
             </a:pPr>
             <a:endParaRPr lang="ru-RU" dirty="0"/>
           </a:p>
+          <a:p>
+            <a:pPr lvl="1"/>
+            <a:r>
+              <a:rPr lang="ru-RU" dirty="0"/>
+              <a:t>ограниченность вместимости транспорта</a:t>
+            </a:r>
+            <a:r>
+              <a:rPr lang="en-US" dirty="0"/>
+              <a:t>;</a:t>
+            </a:r>
+            <a:endParaRPr lang="ru-RU" dirty="0"/>
+          </a:p>
+          <a:p>
+            <a:pPr marL="457200" lvl="1" indent="0">
+              <a:buNone/>
+            </a:pPr>
+            <a:endParaRPr lang="ru-RU" dirty="0"/>
+          </a:p>
+          <a:p>
+            <a:pPr lvl="1"/>
+            <a:r>
+              <a:rPr lang="ru-RU" dirty="0"/>
+              <a:t>обязательность выполнения заказов с учётом ограниченности складов</a:t>
+            </a:r>
+            <a:r>
+              <a:rPr lang="en-US" dirty="0"/>
+              <a:t>;</a:t>
+            </a:r>
+            <a:endParaRPr lang="ru-RU" dirty="0"/>
+          </a:p>
         </p:txBody>
       </p:sp>
       <p:sp>
@@ -6083,19 +6160,20 @@
           <a:lstStyle/>
           <a:p>
             <a:fld id="{E44E20FB-DC41-4FB4-820E-A7F1077F5D74}" type="slidenum">
-              <a:rPr lang="ru-RU" smtClean="0"/>
+              <a:rPr lang="ru-RU" sz="1600" b="1"/>
+              <a:pPr/>
               <a:t>6</a:t>
             </a:fld>
-            <a:endParaRPr lang="ru-RU"/>
+            <a:endParaRPr lang="ru-RU" sz="1600" b="1" dirty="0"/>
           </a:p>
         </p:txBody>
       </p:sp>
       <p:pic>
         <p:nvPicPr>
-          <p:cNvPr id="9" name="Рисунок 8">
+          <p:cNvPr id="14" name="Рисунок 13">
             <a:extLst>
               <a:ext uri="{FF2B5EF4-FFF2-40B4-BE49-F238E27FC236}">
-                <a16:creationId xmlns:a16="http://schemas.microsoft.com/office/drawing/2014/main" id="{2A6D65A1-4E7A-E62D-F2DB-4024F7CBE333}"/>
+                <a16:creationId xmlns:a16="http://schemas.microsoft.com/office/drawing/2014/main" id="{88A80A66-C2DA-1351-B19C-9B4770EA37CC}"/>
               </a:ext>
             </a:extLst>
           </p:cNvPr>
@@ -6121,8 +6199,8 @@
         </p:blipFill>
         <p:spPr>
           <a:xfrm>
-            <a:off x="8016545" y="4100813"/>
-            <a:ext cx="1763290" cy="707890"/>
+            <a:off x="6471920" y="5320904"/>
+            <a:ext cx="3469291" cy="848385"/>
           </a:xfrm>
           <a:prstGeom prst="rect">
             <a:avLst/>
@@ -6131,10 +6209,10 @@
       </p:pic>
       <p:pic>
         <p:nvPicPr>
-          <p:cNvPr id="11" name="Рисунок 10">
+          <p:cNvPr id="16" name="Рисунок 15">
             <a:extLst>
               <a:ext uri="{FF2B5EF4-FFF2-40B4-BE49-F238E27FC236}">
-                <a16:creationId xmlns:a16="http://schemas.microsoft.com/office/drawing/2014/main" id="{A47BB008-270C-98EB-B73F-A6F37DE478FD}"/>
+                <a16:creationId xmlns:a16="http://schemas.microsoft.com/office/drawing/2014/main" id="{2C289C13-54E4-A39C-63C9-C731F4DC34C4}"/>
               </a:ext>
             </a:extLst>
           </p:cNvPr>
@@ -6160,8 +6238,8 @@
         </p:blipFill>
         <p:spPr>
           <a:xfrm>
-            <a:off x="8016545" y="4808703"/>
-            <a:ext cx="2894765" cy="707890"/>
+            <a:off x="6471920" y="3216656"/>
+            <a:ext cx="5435600" cy="424688"/>
           </a:xfrm>
           <a:prstGeom prst="rect">
             <a:avLst/>
@@ -6170,10 +6248,10 @@
       </p:pic>
       <p:pic>
         <p:nvPicPr>
-          <p:cNvPr id="13" name="Рисунок 12">
+          <p:cNvPr id="18" name="Рисунок 17">
             <a:extLst>
               <a:ext uri="{FF2B5EF4-FFF2-40B4-BE49-F238E27FC236}">
-                <a16:creationId xmlns:a16="http://schemas.microsoft.com/office/drawing/2014/main" id="{88FC6D14-7CA6-07B7-2B6A-D7F7E633340E}"/>
+                <a16:creationId xmlns:a16="http://schemas.microsoft.com/office/drawing/2014/main" id="{1405427A-631C-0A5D-05E3-B8DA73FD7E1E}"/>
               </a:ext>
             </a:extLst>
           </p:cNvPr>
@@ -6199,8 +6277,8 @@
         </p:blipFill>
         <p:spPr>
           <a:xfrm>
-            <a:off x="8016545" y="5516593"/>
-            <a:ext cx="2509521" cy="711462"/>
+            <a:off x="6471920" y="4121107"/>
+            <a:ext cx="2113250" cy="848385"/>
           </a:xfrm>
           <a:prstGeom prst="rect">
             <a:avLst/>
@@ -6209,10 +6287,10 @@
       </p:pic>
       <p:pic>
         <p:nvPicPr>
-          <p:cNvPr id="6" name="Рисунок 5">
+          <p:cNvPr id="20" name="Рисунок 19">
             <a:extLst>
               <a:ext uri="{FF2B5EF4-FFF2-40B4-BE49-F238E27FC236}">
-                <a16:creationId xmlns:a16="http://schemas.microsoft.com/office/drawing/2014/main" id="{71C05888-3EBA-0925-0163-4D6A9C9D3B7E}"/>
+                <a16:creationId xmlns:a16="http://schemas.microsoft.com/office/drawing/2014/main" id="{9ACB4109-D9CC-3C00-6239-3988710EC7AE}"/>
               </a:ext>
             </a:extLst>
           </p:cNvPr>
@@ -6238,8 +6316,8 @@
         </p:blipFill>
         <p:spPr>
           <a:xfrm>
-            <a:off x="1048887" y="2214030"/>
-            <a:ext cx="4505960" cy="1003214"/>
+            <a:off x="6471920" y="2367947"/>
+            <a:ext cx="2903715" cy="330803"/>
           </a:xfrm>
           <a:prstGeom prst="rect">
             <a:avLst/>
@@ -6306,10 +6384,10 @@
       </p:sp>
       <p:pic>
         <p:nvPicPr>
-          <p:cNvPr id="6" name="Объект 5">
+          <p:cNvPr id="10" name="Объект 9">
             <a:extLst>
               <a:ext uri="{FF2B5EF4-FFF2-40B4-BE49-F238E27FC236}">
-                <a16:creationId xmlns:a16="http://schemas.microsoft.com/office/drawing/2014/main" id="{8885FDAE-B112-17DB-92A6-A186D0910242}"/>
+                <a16:creationId xmlns:a16="http://schemas.microsoft.com/office/drawing/2014/main" id="{C5FDE30F-38A7-E902-82E4-09148842770F}"/>
               </a:ext>
             </a:extLst>
           </p:cNvPr>
@@ -6331,13 +6409,13 @@
               </a:ext>
             </a:extLst>
           </a:blip>
-          <a:srcRect l="351" t="10813" r="892" b="21474"/>
+          <a:srcRect l="458" t="11366" r="458" b="19839"/>
           <a:stretch/>
         </p:blipFill>
         <p:spPr>
           <a:xfrm>
-            <a:off x="1429000" y="1544320"/>
-            <a:ext cx="9333999" cy="4948555"/>
+            <a:off x="1278825" y="1341121"/>
+            <a:ext cx="9634349" cy="5015230"/>
           </a:xfrm>
         </p:spPr>
       </p:pic>
@@ -6363,10 +6441,11 @@
           <a:lstStyle/>
           <a:p>
             <a:fld id="{E44E20FB-DC41-4FB4-820E-A7F1077F5D74}" type="slidenum">
-              <a:rPr lang="ru-RU" smtClean="0"/>
+              <a:rPr lang="ru-RU" sz="1600" b="1"/>
+              <a:pPr/>
               <a:t>7</a:t>
             </a:fld>
-            <a:endParaRPr lang="ru-RU"/>
+            <a:endParaRPr lang="ru-RU" sz="1600" b="1" dirty="0"/>
           </a:p>
         </p:txBody>
       </p:sp>
@@ -6386,6 +6465,11 @@
 <file path=ppt/slides/slide8.xml><?xml version="1.0" encoding="utf-8"?>
 <p:sld xmlns:a="http://schemas.openxmlformats.org/drawingml/2006/main" xmlns:r="http://schemas.openxmlformats.org/officeDocument/2006/relationships" xmlns:p="http://schemas.openxmlformats.org/presentationml/2006/main">
   <p:cSld>
+    <p:bg>
+      <p:bgRef idx="1001">
+        <a:schemeClr val="bg1"/>
+      </p:bgRef>
+    </p:bg>
     <p:spTree>
       <p:nvGrpSpPr>
         <p:cNvPr id="1" name=""/>
@@ -6423,7 +6507,7 @@
           <a:p>
             <a:r>
               <a:rPr lang="ru-RU" dirty="0"/>
-              <a:t>Метод минимального элемента</a:t>
+              <a:t>Составление опорного плана</a:t>
             </a:r>
           </a:p>
         </p:txBody>
@@ -6450,10 +6534,11 @@
           <a:lstStyle/>
           <a:p>
             <a:fld id="{E44E20FB-DC41-4FB4-820E-A7F1077F5D74}" type="slidenum">
-              <a:rPr lang="ru-RU" smtClean="0"/>
+              <a:rPr lang="ru-RU" sz="1600" b="1"/>
+              <a:pPr/>
               <a:t>8</a:t>
             </a:fld>
-            <a:endParaRPr lang="ru-RU"/>
+            <a:endParaRPr lang="ru-RU" sz="1600" b="1" dirty="0"/>
           </a:p>
         </p:txBody>
       </p:sp>
@@ -6521,14 +6606,13 @@
               </a:ext>
             </a:extLst>
           </a:blip>
-          <a:stretch>
-            <a:fillRect/>
-          </a:stretch>
+          <a:srcRect/>
+          <a:stretch/>
         </p:blipFill>
         <p:spPr>
           <a:xfrm>
             <a:off x="7116043" y="3778332"/>
-            <a:ext cx="5075957" cy="2777959"/>
+            <a:ext cx="5075956" cy="2777959"/>
           </a:xfrm>
           <a:prstGeom prst="rect">
             <a:avLst/>
@@ -6560,13 +6644,13 @@
               </a:ext>
             </a:extLst>
           </a:blip>
-          <a:srcRect l="250" t="11271" r="526" b="21429"/>
+          <a:srcRect l="548" t="12594" r="686" b="9110"/>
           <a:stretch/>
         </p:blipFill>
         <p:spPr>
           <a:xfrm>
-            <a:off x="151862" y="1690688"/>
-            <a:ext cx="7477760" cy="3921760"/>
+            <a:off x="223520" y="1778000"/>
+            <a:ext cx="7325360" cy="3881120"/>
           </a:xfrm>
           <a:prstGeom prst="rect">
             <a:avLst/>
@@ -6581,7 +6665,7 @@
     </p:extLst>
   </p:cSld>
   <p:clrMapOvr>
-    <a:masterClrMapping/>
+    <a:overrideClrMapping bg1="lt1" tx1="dk1" bg2="lt2" tx2="dk2" accent1="accent1" accent2="accent2" accent3="accent3" accent4="accent4" accent5="accent5" accent6="accent6" hlink="hlink" folHlink="folHlink"/>
   </p:clrMapOvr>
 </p:sld>
 </file>
@@ -6589,6 +6673,11 @@
 <file path=ppt/slides/slide9.xml><?xml version="1.0" encoding="utf-8"?>
 <p:sld xmlns:a="http://schemas.openxmlformats.org/drawingml/2006/main" xmlns:r="http://schemas.openxmlformats.org/officeDocument/2006/relationships" xmlns:p="http://schemas.openxmlformats.org/presentationml/2006/main">
   <p:cSld>
+    <p:bg>
+      <p:bgRef idx="1001">
+        <a:schemeClr val="bg1"/>
+      </p:bgRef>
+    </p:bg>
     <p:spTree>
       <p:nvGrpSpPr>
         <p:cNvPr id="1" name=""/>
@@ -6626,7 +6715,7 @@
           <a:p>
             <a:r>
               <a:rPr lang="ru-RU" dirty="0"/>
-              <a:t>Метод потенциалов</a:t>
+              <a:t>Оптимизация плана</a:t>
             </a:r>
           </a:p>
         </p:txBody>
@@ -6658,13 +6747,13 @@
               </a:ext>
             </a:extLst>
           </a:blip>
-          <a:srcRect l="535" t="11514" r="468" b="24743"/>
+          <a:srcRect l="619" t="11284" r="496" b="19288"/>
           <a:stretch/>
         </p:blipFill>
         <p:spPr>
           <a:xfrm>
-            <a:off x="160020" y="2453958"/>
-            <a:ext cx="8209280" cy="4087238"/>
+            <a:off x="243840" y="1955932"/>
+            <a:ext cx="8463280" cy="4455072"/>
           </a:xfrm>
         </p:spPr>
       </p:pic>
@@ -6690,10 +6779,10 @@
           <a:lstStyle/>
           <a:p>
             <a:fld id="{E44E20FB-DC41-4FB4-820E-A7F1077F5D74}" type="slidenum">
-              <a:rPr lang="ru-RU" smtClean="0"/>
+              <a:rPr lang="ru-RU" sz="1600" b="1"/>
               <a:t>9</a:t>
             </a:fld>
-            <a:endParaRPr lang="ru-RU"/>
+            <a:endParaRPr lang="ru-RU" sz="1600" b="1" dirty="0"/>
           </a:p>
         </p:txBody>
       </p:sp>
@@ -6728,8 +6817,8 @@
         </p:blipFill>
         <p:spPr>
           <a:xfrm>
-            <a:off x="6969760" y="136525"/>
-            <a:ext cx="4978400" cy="2538008"/>
+            <a:off x="7440328" y="1"/>
+            <a:ext cx="4751672" cy="2422422"/>
           </a:xfrm>
           <a:prstGeom prst="rect">
             <a:avLst/>
@@ -6767,8 +6856,8 @@
         </p:blipFill>
         <p:spPr>
           <a:xfrm>
-            <a:off x="7053580" y="2346325"/>
-            <a:ext cx="4978400" cy="2257363"/>
+            <a:off x="7440326" y="2422424"/>
+            <a:ext cx="4751673" cy="2154558"/>
           </a:xfrm>
           <a:prstGeom prst="rect">
             <a:avLst/>
@@ -6783,15 +6872,15 @@
     </p:extLst>
   </p:cSld>
   <p:clrMapOvr>
-    <a:masterClrMapping/>
+    <a:overrideClrMapping bg1="lt1" tx1="dk1" bg2="lt2" tx2="dk2" accent1="accent1" accent2="accent2" accent3="accent3" accent4="accent4" accent5="accent5" accent6="accent6" hlink="hlink" folHlink="folHlink"/>
   </p:clrMapOvr>
 </p:sld>
 </file>
 
 <file path=ppt/theme/theme1.xml><?xml version="1.0" encoding="utf-8"?>
-<a:theme xmlns:a="http://schemas.openxmlformats.org/drawingml/2006/main" name="Тема Office">
+<a:theme xmlns:a="http://schemas.openxmlformats.org/drawingml/2006/main" name="Office Theme">
   <a:themeElements>
-    <a:clrScheme name="Стандартная">
+    <a:clrScheme name="Тема Office">
       <a:dk1>
         <a:sysClr val="windowText" lastClr="000000"/>
       </a:dk1>
@@ -6805,22 +6894,22 @@
         <a:srgbClr val="E7E6E6"/>
       </a:lt2>
       <a:accent1>
-        <a:srgbClr val="4472C4"/>
+        <a:srgbClr val="1D9A78"/>
       </a:accent1>
       <a:accent2>
-        <a:srgbClr val="ED7D31"/>
+        <a:srgbClr val="8BC145"/>
       </a:accent2>
       <a:accent3>
-        <a:srgbClr val="A5A5A5"/>
+        <a:srgbClr val="36AFCE"/>
       </a:accent3>
       <a:accent4>
-        <a:srgbClr val="FFC000"/>
+        <a:srgbClr val="1D6FA9"/>
       </a:accent4>
       <a:accent5>
-        <a:srgbClr val="5B9BD5"/>
+        <a:srgbClr val="B74919"/>
       </a:accent5>
       <a:accent6>
-        <a:srgbClr val="70AD47"/>
+        <a:srgbClr val="F19D19"/>
       </a:accent6>
       <a:hlink>
         <a:srgbClr val="0563C1"/>
@@ -6829,7 +6918,7 @@
         <a:srgbClr val="954F72"/>
       </a:folHlink>
     </a:clrScheme>
-    <a:fontScheme name="Стандартная">
+    <a:fontScheme name="Тема Office">
       <a:majorFont>
         <a:latin typeface="Calibri Light" panose="020F0302020204030204"/>
         <a:ea typeface=""/>
@@ -6864,23 +6953,6 @@
         <a:font script="Viet" typeface="Times New Roman"/>
         <a:font script="Uigh" typeface="Microsoft Uighur"/>
         <a:font script="Geor" typeface="Sylfaen"/>
-        <a:font script="Armn" typeface="Arial"/>
-        <a:font script="Bugi" typeface="Leelawadee UI"/>
-        <a:font script="Bopo" typeface="Microsoft JhengHei"/>
-        <a:font script="Java" typeface="Javanese Text"/>
-        <a:font script="Lisu" typeface="Segoe UI"/>
-        <a:font script="Mymr" typeface="Myanmar Text"/>
-        <a:font script="Nkoo" typeface="Ebrima"/>
-        <a:font script="Olck" typeface="Nirmala UI"/>
-        <a:font script="Osma" typeface="Ebrima"/>
-        <a:font script="Phag" typeface="Phagspa"/>
-        <a:font script="Syrn" typeface="Estrangelo Edessa"/>
-        <a:font script="Syrj" typeface="Estrangelo Edessa"/>
-        <a:font script="Syre" typeface="Estrangelo Edessa"/>
-        <a:font script="Sora" typeface="Nirmala UI"/>
-        <a:font script="Tale" typeface="Microsoft Tai Le"/>
-        <a:font script="Talu" typeface="Microsoft New Tai Lue"/>
-        <a:font script="Tfng" typeface="Ebrima"/>
       </a:majorFont>
       <a:minorFont>
         <a:latin typeface="Calibri" panose="020F0502020204030204"/>
@@ -6916,26 +6988,9 @@
         <a:font script="Viet" typeface="Arial"/>
         <a:font script="Uigh" typeface="Microsoft Uighur"/>
         <a:font script="Geor" typeface="Sylfaen"/>
-        <a:font script="Armn" typeface="Arial"/>
-        <a:font script="Bugi" typeface="Leelawadee UI"/>
-        <a:font script="Bopo" typeface="Microsoft JhengHei"/>
-        <a:font script="Java" typeface="Javanese Text"/>
-        <a:font script="Lisu" typeface="Segoe UI"/>
-        <a:font script="Mymr" typeface="Myanmar Text"/>
-        <a:font script="Nkoo" typeface="Ebrima"/>
-        <a:font script="Olck" typeface="Nirmala UI"/>
-        <a:font script="Osma" typeface="Ebrima"/>
-        <a:font script="Phag" typeface="Phagspa"/>
-        <a:font script="Syrn" typeface="Estrangelo Edessa"/>
-        <a:font script="Syrj" typeface="Estrangelo Edessa"/>
-        <a:font script="Syre" typeface="Estrangelo Edessa"/>
-        <a:font script="Sora" typeface="Nirmala UI"/>
-        <a:font script="Tale" typeface="Microsoft Tai Le"/>
-        <a:font script="Talu" typeface="Microsoft New Tai Lue"/>
-        <a:font script="Tfng" typeface="Ebrima"/>
       </a:minorFont>
     </a:fontScheme>
-    <a:fmtScheme name="Стандартная">
+    <a:fmtScheme name="Тема Office">
       <a:fillStyleLst>
         <a:solidFill>
           <a:schemeClr val="phClr"/>
@@ -7077,7 +7132,7 @@
   <a:extraClrSchemeLst/>
   <a:extLst>
     <a:ext uri="{05A4C25C-085E-4340-85A3-A5531E510DB2}">
-      <thm15:themeFamily xmlns:thm15="http://schemas.microsoft.com/office/thememl/2012/main" name="Office Theme" id="{62F939B6-93AF-4DB8-9C6B-D6C7DFDC589F}" vid="{4A3C46E8-61CC-4603-A589-7422A47A8E4A}"/>
+      <thm15:themeFamily xmlns:thm15="http://schemas.microsoft.com/office/thememl/2012/main" name="Office Theme" id="{62F939B6-93AF-4DB8-9C6B-D6C7DFDC589F}" vid="{AE6F2518-B084-4896-AF52-66CC2144AA26}"/>
     </a:ext>
   </a:extLst>
 </a:theme>
